--- a/images/header.pptx
+++ b/images/header.pptx
@@ -104,7 +104,49 @@
       </a:defRPr>
     </a:lvl9pPr>
   </p:defaultTextStyle>
+  <p:extLst>
+    <p:ext uri="{EFAFB233-063F-42B5-8137-9DF3F51BA10A}">
+      <p15:sldGuideLst xmlns:p15="http://schemas.microsoft.com/office/powerpoint/2012/main"/>
+    </p:ext>
+  </p:extLst>
 </p:presentation>
+</file>
+
+<file path=ppt/revisionInfo.xml><?xml version="1.0" encoding="utf-8"?>
+<p1510:revInfo xmlns:a="http://schemas.openxmlformats.org/drawingml/2006/main" xmlns:r="http://schemas.openxmlformats.org/officeDocument/2006/relationships" xmlns:p1510="http://schemas.microsoft.com/office/powerpoint/2015/10/main">
+  <p1510:revLst>
+    <p1510:client id="{52F1B614-AF56-4096-9652-87A4971CC591}" v="2" dt="2019-12-03T08:28:06.455"/>
+  </p1510:revLst>
+</p1510:revInfo>
+</file>
+
+<file path=ppt/changesInfos/changesInfo1.xml><?xml version="1.0" encoding="utf-8"?>
+<pc:chgInfo xmlns:a="http://schemas.openxmlformats.org/drawingml/2006/main" xmlns:r="http://schemas.openxmlformats.org/officeDocument/2006/relationships" xmlns:ac="http://schemas.microsoft.com/office/drawing/2013/main/command" xmlns:pc="http://schemas.microsoft.com/office/powerpoint/2013/main/command">
+  <pc:docChgLst>
+    <pc:chgData name="坂本 嵩" userId="54380f1e-e920-4bf3-aacc-35b07fd0251e" providerId="ADAL" clId="{52F1B614-AF56-4096-9652-87A4971CC591}"/>
+    <pc:docChg chg="undo custSel modSld">
+      <pc:chgData name="坂本 嵩" userId="54380f1e-e920-4bf3-aacc-35b07fd0251e" providerId="ADAL" clId="{52F1B614-AF56-4096-9652-87A4971CC591}" dt="2019-12-03T08:28:06.455" v="3" actId="207"/>
+      <pc:docMkLst>
+        <pc:docMk/>
+      </pc:docMkLst>
+      <pc:sldChg chg="modSp">
+        <pc:chgData name="坂本 嵩" userId="54380f1e-e920-4bf3-aacc-35b07fd0251e" providerId="ADAL" clId="{52F1B614-AF56-4096-9652-87A4971CC591}" dt="2019-12-03T08:28:06.455" v="3" actId="207"/>
+        <pc:sldMkLst>
+          <pc:docMk/>
+          <pc:sldMk cId="167324151" sldId="256"/>
+        </pc:sldMkLst>
+        <pc:spChg chg="mod">
+          <ac:chgData name="坂本 嵩" userId="54380f1e-e920-4bf3-aacc-35b07fd0251e" providerId="ADAL" clId="{52F1B614-AF56-4096-9652-87A4971CC591}" dt="2019-12-03T08:28:06.455" v="3" actId="207"/>
+          <ac:spMkLst>
+            <pc:docMk/>
+            <pc:sldMk cId="167324151" sldId="256"/>
+            <ac:spMk id="6" creationId="{F25BA27D-155A-460D-B981-3A15DB2BF84F}"/>
+          </ac:spMkLst>
+        </pc:spChg>
+      </pc:sldChg>
+    </pc:docChg>
+  </pc:docChgLst>
+</pc:chgInfo>
 </file>
 
 <file path=ppt/slideLayouts/slideLayout1.xml><?xml version="1.0" encoding="utf-8"?>
@@ -254,7 +296,7 @@
           <a:p>
             <a:fld id="{2BE1E8B6-2518-40B4-9419-86015BC71C7C}" type="datetimeFigureOut">
               <a:rPr kumimoji="1" lang="ja-JP" altLang="en-US" smtClean="0"/>
-              <a:t>2018/10/31</a:t>
+              <a:t>2019/12/3</a:t>
             </a:fld>
             <a:endParaRPr kumimoji="1" lang="ja-JP" altLang="en-US"/>
           </a:p>
@@ -484,7 +526,7 @@
           <a:p>
             <a:fld id="{2BE1E8B6-2518-40B4-9419-86015BC71C7C}" type="datetimeFigureOut">
               <a:rPr kumimoji="1" lang="ja-JP" altLang="en-US" smtClean="0"/>
-              <a:t>2018/10/31</a:t>
+              <a:t>2019/12/3</a:t>
             </a:fld>
             <a:endParaRPr kumimoji="1" lang="ja-JP" altLang="en-US"/>
           </a:p>
@@ -724,7 +766,7 @@
           <a:p>
             <a:fld id="{2BE1E8B6-2518-40B4-9419-86015BC71C7C}" type="datetimeFigureOut">
               <a:rPr kumimoji="1" lang="ja-JP" altLang="en-US" smtClean="0"/>
-              <a:t>2018/10/31</a:t>
+              <a:t>2019/12/3</a:t>
             </a:fld>
             <a:endParaRPr kumimoji="1" lang="ja-JP" altLang="en-US"/>
           </a:p>
@@ -954,7 +996,7 @@
           <a:p>
             <a:fld id="{2BE1E8B6-2518-40B4-9419-86015BC71C7C}" type="datetimeFigureOut">
               <a:rPr kumimoji="1" lang="ja-JP" altLang="en-US" smtClean="0"/>
-              <a:t>2018/10/31</a:t>
+              <a:t>2019/12/3</a:t>
             </a:fld>
             <a:endParaRPr kumimoji="1" lang="ja-JP" altLang="en-US"/>
           </a:p>
@@ -1229,7 +1271,7 @@
           <a:p>
             <a:fld id="{2BE1E8B6-2518-40B4-9419-86015BC71C7C}" type="datetimeFigureOut">
               <a:rPr kumimoji="1" lang="ja-JP" altLang="en-US" smtClean="0"/>
-              <a:t>2018/10/31</a:t>
+              <a:t>2019/12/3</a:t>
             </a:fld>
             <a:endParaRPr kumimoji="1" lang="ja-JP" altLang="en-US"/>
           </a:p>
@@ -1558,7 +1600,7 @@
           <a:p>
             <a:fld id="{2BE1E8B6-2518-40B4-9419-86015BC71C7C}" type="datetimeFigureOut">
               <a:rPr kumimoji="1" lang="ja-JP" altLang="en-US" smtClean="0"/>
-              <a:t>2018/10/31</a:t>
+              <a:t>2019/12/3</a:t>
             </a:fld>
             <a:endParaRPr kumimoji="1" lang="ja-JP" altLang="en-US"/>
           </a:p>
@@ -2034,7 +2076,7 @@
           <a:p>
             <a:fld id="{2BE1E8B6-2518-40B4-9419-86015BC71C7C}" type="datetimeFigureOut">
               <a:rPr kumimoji="1" lang="ja-JP" altLang="en-US" smtClean="0"/>
-              <a:t>2018/10/31</a:t>
+              <a:t>2019/12/3</a:t>
             </a:fld>
             <a:endParaRPr kumimoji="1" lang="ja-JP" altLang="en-US"/>
           </a:p>
@@ -2175,7 +2217,7 @@
           <a:p>
             <a:fld id="{2BE1E8B6-2518-40B4-9419-86015BC71C7C}" type="datetimeFigureOut">
               <a:rPr kumimoji="1" lang="ja-JP" altLang="en-US" smtClean="0"/>
-              <a:t>2018/10/31</a:t>
+              <a:t>2019/12/3</a:t>
             </a:fld>
             <a:endParaRPr kumimoji="1" lang="ja-JP" altLang="en-US"/>
           </a:p>
@@ -2288,7 +2330,7 @@
           <a:p>
             <a:fld id="{2BE1E8B6-2518-40B4-9419-86015BC71C7C}" type="datetimeFigureOut">
               <a:rPr kumimoji="1" lang="ja-JP" altLang="en-US" smtClean="0"/>
-              <a:t>2018/10/31</a:t>
+              <a:t>2019/12/3</a:t>
             </a:fld>
             <a:endParaRPr kumimoji="1" lang="ja-JP" altLang="en-US"/>
           </a:p>
@@ -2631,7 +2673,7 @@
           <a:p>
             <a:fld id="{2BE1E8B6-2518-40B4-9419-86015BC71C7C}" type="datetimeFigureOut">
               <a:rPr kumimoji="1" lang="ja-JP" altLang="en-US" smtClean="0"/>
-              <a:t>2018/10/31</a:t>
+              <a:t>2019/12/3</a:t>
             </a:fld>
             <a:endParaRPr kumimoji="1" lang="ja-JP" altLang="en-US"/>
           </a:p>
@@ -2919,7 +2961,7 @@
           <a:p>
             <a:fld id="{2BE1E8B6-2518-40B4-9419-86015BC71C7C}" type="datetimeFigureOut">
               <a:rPr kumimoji="1" lang="ja-JP" altLang="en-US" smtClean="0"/>
-              <a:t>2018/10/31</a:t>
+              <a:t>2019/12/3</a:t>
             </a:fld>
             <a:endParaRPr kumimoji="1" lang="ja-JP" altLang="en-US"/>
           </a:p>
@@ -3192,7 +3234,7 @@
           <a:p>
             <a:fld id="{2BE1E8B6-2518-40B4-9419-86015BC71C7C}" type="datetimeFigureOut">
               <a:rPr kumimoji="1" lang="ja-JP" altLang="en-US" smtClean="0"/>
-              <a:t>2018/10/31</a:t>
+              <a:t>2019/12/3</a:t>
             </a:fld>
             <a:endParaRPr kumimoji="1" lang="ja-JP" altLang="en-US"/>
           </a:p>
@@ -3727,7 +3769,7 @@
           </a:prstGeom>
           <a:solidFill>
             <a:schemeClr val="tx1">
-              <a:alpha val="20000"/>
+              <a:alpha val="40000"/>
             </a:schemeClr>
           </a:solidFill>
           <a:ln>

--- a/images/header.pptx
+++ b/images/header.pptx
@@ -2,19 +2,19 @@
 <file path=ppt/presentation.xml><?xml version="1.0" encoding="utf-8"?>
 <p:presentation xmlns:a="http://schemas.openxmlformats.org/drawingml/2006/main" xmlns:r="http://schemas.openxmlformats.org/officeDocument/2006/relationships" xmlns:p="http://schemas.openxmlformats.org/presentationml/2006/main" saveSubsetFonts="1">
   <p:sldMasterIdLst>
-    <p:sldMasterId id="2147483648" r:id="rId1"/>
+    <p:sldMasterId id="2147483660" r:id="rId1"/>
   </p:sldMasterIdLst>
   <p:sldIdLst>
     <p:sldId id="256" r:id="rId2"/>
   </p:sldIdLst>
-  <p:sldSz cx="12192000" cy="6858000"/>
+  <p:sldSz cx="9144000" cy="6858000" type="screen4x3"/>
   <p:notesSz cx="6858000" cy="9144000"/>
   <p:defaultTextStyle>
     <a:defPPr>
-      <a:defRPr lang="ja-JP"/>
+      <a:defRPr lang="en-US"/>
     </a:defPPr>
-    <a:lvl1pPr marL="0" algn="l" defTabSz="914400" rtl="0" eaLnBrk="1" latinLnBrk="0" hangingPunct="1">
-      <a:defRPr kumimoji="1" sz="1800" kern="1200">
+    <a:lvl1pPr marL="0" algn="l" defTabSz="457200" rtl="0" eaLnBrk="1" latinLnBrk="0" hangingPunct="1">
+      <a:defRPr sz="1800" kern="1200">
         <a:solidFill>
           <a:schemeClr val="tx1"/>
         </a:solidFill>
@@ -23,8 +23,8 @@
         <a:cs typeface="+mn-cs"/>
       </a:defRPr>
     </a:lvl1pPr>
-    <a:lvl2pPr marL="457200" algn="l" defTabSz="914400" rtl="0" eaLnBrk="1" latinLnBrk="0" hangingPunct="1">
-      <a:defRPr kumimoji="1" sz="1800" kern="1200">
+    <a:lvl2pPr marL="457200" algn="l" defTabSz="457200" rtl="0" eaLnBrk="1" latinLnBrk="0" hangingPunct="1">
+      <a:defRPr sz="1800" kern="1200">
         <a:solidFill>
           <a:schemeClr val="tx1"/>
         </a:solidFill>
@@ -33,8 +33,8 @@
         <a:cs typeface="+mn-cs"/>
       </a:defRPr>
     </a:lvl2pPr>
-    <a:lvl3pPr marL="914400" algn="l" defTabSz="914400" rtl="0" eaLnBrk="1" latinLnBrk="0" hangingPunct="1">
-      <a:defRPr kumimoji="1" sz="1800" kern="1200">
+    <a:lvl3pPr marL="914400" algn="l" defTabSz="457200" rtl="0" eaLnBrk="1" latinLnBrk="0" hangingPunct="1">
+      <a:defRPr sz="1800" kern="1200">
         <a:solidFill>
           <a:schemeClr val="tx1"/>
         </a:solidFill>
@@ -43,8 +43,8 @@
         <a:cs typeface="+mn-cs"/>
       </a:defRPr>
     </a:lvl3pPr>
-    <a:lvl4pPr marL="1371600" algn="l" defTabSz="914400" rtl="0" eaLnBrk="1" latinLnBrk="0" hangingPunct="1">
-      <a:defRPr kumimoji="1" sz="1800" kern="1200">
+    <a:lvl4pPr marL="1371600" algn="l" defTabSz="457200" rtl="0" eaLnBrk="1" latinLnBrk="0" hangingPunct="1">
+      <a:defRPr sz="1800" kern="1200">
         <a:solidFill>
           <a:schemeClr val="tx1"/>
         </a:solidFill>
@@ -53,8 +53,8 @@
         <a:cs typeface="+mn-cs"/>
       </a:defRPr>
     </a:lvl4pPr>
-    <a:lvl5pPr marL="1828800" algn="l" defTabSz="914400" rtl="0" eaLnBrk="1" latinLnBrk="0" hangingPunct="1">
-      <a:defRPr kumimoji="1" sz="1800" kern="1200">
+    <a:lvl5pPr marL="1828800" algn="l" defTabSz="457200" rtl="0" eaLnBrk="1" latinLnBrk="0" hangingPunct="1">
+      <a:defRPr sz="1800" kern="1200">
         <a:solidFill>
           <a:schemeClr val="tx1"/>
         </a:solidFill>
@@ -63,8 +63,8 @@
         <a:cs typeface="+mn-cs"/>
       </a:defRPr>
     </a:lvl5pPr>
-    <a:lvl6pPr marL="2286000" algn="l" defTabSz="914400" rtl="0" eaLnBrk="1" latinLnBrk="0" hangingPunct="1">
-      <a:defRPr kumimoji="1" sz="1800" kern="1200">
+    <a:lvl6pPr marL="2286000" algn="l" defTabSz="457200" rtl="0" eaLnBrk="1" latinLnBrk="0" hangingPunct="1">
+      <a:defRPr sz="1800" kern="1200">
         <a:solidFill>
           <a:schemeClr val="tx1"/>
         </a:solidFill>
@@ -73,8 +73,8 @@
         <a:cs typeface="+mn-cs"/>
       </a:defRPr>
     </a:lvl6pPr>
-    <a:lvl7pPr marL="2743200" algn="l" defTabSz="914400" rtl="0" eaLnBrk="1" latinLnBrk="0" hangingPunct="1">
-      <a:defRPr kumimoji="1" sz="1800" kern="1200">
+    <a:lvl7pPr marL="2743200" algn="l" defTabSz="457200" rtl="0" eaLnBrk="1" latinLnBrk="0" hangingPunct="1">
+      <a:defRPr sz="1800" kern="1200">
         <a:solidFill>
           <a:schemeClr val="tx1"/>
         </a:solidFill>
@@ -83,8 +83,8 @@
         <a:cs typeface="+mn-cs"/>
       </a:defRPr>
     </a:lvl7pPr>
-    <a:lvl8pPr marL="3200400" algn="l" defTabSz="914400" rtl="0" eaLnBrk="1" latinLnBrk="0" hangingPunct="1">
-      <a:defRPr kumimoji="1" sz="1800" kern="1200">
+    <a:lvl8pPr marL="3200400" algn="l" defTabSz="457200" rtl="0" eaLnBrk="1" latinLnBrk="0" hangingPunct="1">
+      <a:defRPr sz="1800" kern="1200">
         <a:solidFill>
           <a:schemeClr val="tx1"/>
         </a:solidFill>
@@ -93,8 +93,8 @@
         <a:cs typeface="+mn-cs"/>
       </a:defRPr>
     </a:lvl8pPr>
-    <a:lvl9pPr marL="3657600" algn="l" defTabSz="914400" rtl="0" eaLnBrk="1" latinLnBrk="0" hangingPunct="1">
-      <a:defRPr kumimoji="1" sz="1800" kern="1200">
+    <a:lvl9pPr marL="3657600" algn="l" defTabSz="457200" rtl="0" eaLnBrk="1" latinLnBrk="0" hangingPunct="1">
+      <a:defRPr sz="1800" kern="1200">
         <a:solidFill>
           <a:schemeClr val="tx1"/>
         </a:solidFill>
@@ -115,7 +115,7 @@
 <file path=ppt/revisionInfo.xml><?xml version="1.0" encoding="utf-8"?>
 <p1510:revInfo xmlns:a="http://schemas.openxmlformats.org/drawingml/2006/main" xmlns:r="http://schemas.openxmlformats.org/officeDocument/2006/relationships" xmlns:p1510="http://schemas.microsoft.com/office/powerpoint/2015/10/main">
   <p1510:revLst>
-    <p1510:client id="{52F1B614-AF56-4096-9652-87A4971CC591}" v="2" dt="2019-12-03T08:28:06.455"/>
+    <p1510:client id="{52F1B614-AF56-4096-9652-87A4971CC591}" v="3" dt="2019-12-03T09:47:48.617"/>
   </p1510:revLst>
 </p1510:revInfo>
 </file>
@@ -124,26 +124,324 @@
 <pc:chgInfo xmlns:a="http://schemas.openxmlformats.org/drawingml/2006/main" xmlns:r="http://schemas.openxmlformats.org/officeDocument/2006/relationships" xmlns:ac="http://schemas.microsoft.com/office/drawing/2013/main/command" xmlns:pc="http://schemas.microsoft.com/office/powerpoint/2013/main/command">
   <pc:docChgLst>
     <pc:chgData name="坂本 嵩" userId="54380f1e-e920-4bf3-aacc-35b07fd0251e" providerId="ADAL" clId="{52F1B614-AF56-4096-9652-87A4971CC591}"/>
-    <pc:docChg chg="undo custSel modSld">
-      <pc:chgData name="坂本 嵩" userId="54380f1e-e920-4bf3-aacc-35b07fd0251e" providerId="ADAL" clId="{52F1B614-AF56-4096-9652-87A4971CC591}" dt="2019-12-03T08:28:06.455" v="3" actId="207"/>
+    <pc:docChg chg="undo custSel modSld modMainMaster">
+      <pc:chgData name="坂本 嵩" userId="54380f1e-e920-4bf3-aacc-35b07fd0251e" providerId="ADAL" clId="{52F1B614-AF56-4096-9652-87A4971CC591}" dt="2019-12-03T09:47:48.616" v="4"/>
       <pc:docMkLst>
         <pc:docMk/>
       </pc:docMkLst>
       <pc:sldChg chg="modSp">
-        <pc:chgData name="坂本 嵩" userId="54380f1e-e920-4bf3-aacc-35b07fd0251e" providerId="ADAL" clId="{52F1B614-AF56-4096-9652-87A4971CC591}" dt="2019-12-03T08:28:06.455" v="3" actId="207"/>
+        <pc:chgData name="坂本 嵩" userId="54380f1e-e920-4bf3-aacc-35b07fd0251e" providerId="ADAL" clId="{52F1B614-AF56-4096-9652-87A4971CC591}" dt="2019-12-03T09:47:48.616" v="4"/>
         <pc:sldMkLst>
           <pc:docMk/>
           <pc:sldMk cId="167324151" sldId="256"/>
         </pc:sldMkLst>
         <pc:spChg chg="mod">
-          <ac:chgData name="坂本 嵩" userId="54380f1e-e920-4bf3-aacc-35b07fd0251e" providerId="ADAL" clId="{52F1B614-AF56-4096-9652-87A4971CC591}" dt="2019-12-03T08:28:06.455" v="3" actId="207"/>
+          <ac:chgData name="坂本 嵩" userId="54380f1e-e920-4bf3-aacc-35b07fd0251e" providerId="ADAL" clId="{52F1B614-AF56-4096-9652-87A4971CC591}" dt="2019-12-03T09:47:48.616" v="4"/>
+          <ac:spMkLst>
+            <pc:docMk/>
+            <pc:sldMk cId="167324151" sldId="256"/>
+            <ac:spMk id="2" creationId="{4A274150-6187-4B4A-8984-CD51C76DFE67}"/>
+          </ac:spMkLst>
+        </pc:spChg>
+        <pc:spChg chg="mod">
+          <ac:chgData name="坂本 嵩" userId="54380f1e-e920-4bf3-aacc-35b07fd0251e" providerId="ADAL" clId="{52F1B614-AF56-4096-9652-87A4971CC591}" dt="2019-12-03T09:47:48.616" v="4"/>
+          <ac:spMkLst>
+            <pc:docMk/>
+            <pc:sldMk cId="167324151" sldId="256"/>
+            <ac:spMk id="3" creationId="{88B6784C-0B5D-48A5-BA2F-024FAFA87335}"/>
+          </ac:spMkLst>
+        </pc:spChg>
+        <pc:spChg chg="mod">
+          <ac:chgData name="坂本 嵩" userId="54380f1e-e920-4bf3-aacc-35b07fd0251e" providerId="ADAL" clId="{52F1B614-AF56-4096-9652-87A4971CC591}" dt="2019-12-03T09:47:48.616" v="4"/>
           <ac:spMkLst>
             <pc:docMk/>
             <pc:sldMk cId="167324151" sldId="256"/>
             <ac:spMk id="6" creationId="{F25BA27D-155A-460D-B981-3A15DB2BF84F}"/>
           </ac:spMkLst>
         </pc:spChg>
+        <pc:picChg chg="mod">
+          <ac:chgData name="坂本 嵩" userId="54380f1e-e920-4bf3-aacc-35b07fd0251e" providerId="ADAL" clId="{52F1B614-AF56-4096-9652-87A4971CC591}" dt="2019-12-03T09:47:48.616" v="4"/>
+          <ac:picMkLst>
+            <pc:docMk/>
+            <pc:sldMk cId="167324151" sldId="256"/>
+            <ac:picMk id="5" creationId="{50C887F2-B13A-466B-9B4B-4BFFBB0F960A}"/>
+          </ac:picMkLst>
+        </pc:picChg>
       </pc:sldChg>
+      <pc:sldMasterChg chg="modSp modSldLayout">
+        <pc:chgData name="坂本 嵩" userId="54380f1e-e920-4bf3-aacc-35b07fd0251e" providerId="ADAL" clId="{52F1B614-AF56-4096-9652-87A4971CC591}" dt="2019-12-03T09:47:48.616" v="4"/>
+        <pc:sldMasterMkLst>
+          <pc:docMk/>
+          <pc:sldMasterMk cId="3408161798" sldId="2147483648"/>
+        </pc:sldMasterMkLst>
+        <pc:spChg chg="mod">
+          <ac:chgData name="坂本 嵩" userId="54380f1e-e920-4bf3-aacc-35b07fd0251e" providerId="ADAL" clId="{52F1B614-AF56-4096-9652-87A4971CC591}" dt="2019-12-03T09:47:48.616" v="4"/>
+          <ac:spMkLst>
+            <pc:docMk/>
+            <pc:sldMasterMk cId="3408161798" sldId="2147483648"/>
+            <ac:spMk id="2" creationId="{DD833934-4CD4-4FC0-B0E4-D571FAC78443}"/>
+          </ac:spMkLst>
+        </pc:spChg>
+        <pc:spChg chg="mod">
+          <ac:chgData name="坂本 嵩" userId="54380f1e-e920-4bf3-aacc-35b07fd0251e" providerId="ADAL" clId="{52F1B614-AF56-4096-9652-87A4971CC591}" dt="2019-12-03T09:47:48.616" v="4"/>
+          <ac:spMkLst>
+            <pc:docMk/>
+            <pc:sldMasterMk cId="3408161798" sldId="2147483648"/>
+            <ac:spMk id="3" creationId="{059C7628-9887-4CFE-8BA2-F70DAE5B23EA}"/>
+          </ac:spMkLst>
+        </pc:spChg>
+        <pc:spChg chg="mod">
+          <ac:chgData name="坂本 嵩" userId="54380f1e-e920-4bf3-aacc-35b07fd0251e" providerId="ADAL" clId="{52F1B614-AF56-4096-9652-87A4971CC591}" dt="2019-12-03T09:47:48.616" v="4"/>
+          <ac:spMkLst>
+            <pc:docMk/>
+            <pc:sldMasterMk cId="3408161798" sldId="2147483648"/>
+            <ac:spMk id="4" creationId="{6369F0FB-90DA-4BE1-B792-D848A8B3ADA8}"/>
+          </ac:spMkLst>
+        </pc:spChg>
+        <pc:spChg chg="mod">
+          <ac:chgData name="坂本 嵩" userId="54380f1e-e920-4bf3-aacc-35b07fd0251e" providerId="ADAL" clId="{52F1B614-AF56-4096-9652-87A4971CC591}" dt="2019-12-03T09:47:48.616" v="4"/>
+          <ac:spMkLst>
+            <pc:docMk/>
+            <pc:sldMasterMk cId="3408161798" sldId="2147483648"/>
+            <ac:spMk id="5" creationId="{885D8AB5-A7DD-47CD-8895-F16C8C077098}"/>
+          </ac:spMkLst>
+        </pc:spChg>
+        <pc:spChg chg="mod">
+          <ac:chgData name="坂本 嵩" userId="54380f1e-e920-4bf3-aacc-35b07fd0251e" providerId="ADAL" clId="{52F1B614-AF56-4096-9652-87A4971CC591}" dt="2019-12-03T09:47:48.616" v="4"/>
+          <ac:spMkLst>
+            <pc:docMk/>
+            <pc:sldMasterMk cId="3408161798" sldId="2147483648"/>
+            <ac:spMk id="6" creationId="{C64899EE-8DE9-4CA8-A393-EDDE7C7BE4B9}"/>
+          </ac:spMkLst>
+        </pc:spChg>
+        <pc:sldLayoutChg chg="modSp">
+          <pc:chgData name="坂本 嵩" userId="54380f1e-e920-4bf3-aacc-35b07fd0251e" providerId="ADAL" clId="{52F1B614-AF56-4096-9652-87A4971CC591}" dt="2019-12-03T09:47:48.616" v="4"/>
+          <pc:sldLayoutMkLst>
+            <pc:docMk/>
+            <pc:sldMasterMk cId="3408161798" sldId="2147483648"/>
+            <pc:sldLayoutMk cId="3391792260" sldId="2147483649"/>
+          </pc:sldLayoutMkLst>
+          <pc:spChg chg="mod">
+            <ac:chgData name="坂本 嵩" userId="54380f1e-e920-4bf3-aacc-35b07fd0251e" providerId="ADAL" clId="{52F1B614-AF56-4096-9652-87A4971CC591}" dt="2019-12-03T09:47:48.616" v="4"/>
+            <ac:spMkLst>
+              <pc:docMk/>
+              <pc:sldMasterMk cId="3408161798" sldId="2147483648"/>
+              <pc:sldLayoutMk cId="3391792260" sldId="2147483649"/>
+              <ac:spMk id="2" creationId="{8C5DDCC7-3834-4920-9D8C-4D2D0F548E87}"/>
+            </ac:spMkLst>
+          </pc:spChg>
+          <pc:spChg chg="mod">
+            <ac:chgData name="坂本 嵩" userId="54380f1e-e920-4bf3-aacc-35b07fd0251e" providerId="ADAL" clId="{52F1B614-AF56-4096-9652-87A4971CC591}" dt="2019-12-03T09:47:48.616" v="4"/>
+            <ac:spMkLst>
+              <pc:docMk/>
+              <pc:sldMasterMk cId="3408161798" sldId="2147483648"/>
+              <pc:sldLayoutMk cId="3391792260" sldId="2147483649"/>
+              <ac:spMk id="3" creationId="{9957B423-7983-4C3B-8D8D-2E2A9F717955}"/>
+            </ac:spMkLst>
+          </pc:spChg>
+        </pc:sldLayoutChg>
+        <pc:sldLayoutChg chg="modSp">
+          <pc:chgData name="坂本 嵩" userId="54380f1e-e920-4bf3-aacc-35b07fd0251e" providerId="ADAL" clId="{52F1B614-AF56-4096-9652-87A4971CC591}" dt="2019-12-03T09:47:48.616" v="4"/>
+          <pc:sldLayoutMkLst>
+            <pc:docMk/>
+            <pc:sldMasterMk cId="3408161798" sldId="2147483648"/>
+            <pc:sldLayoutMk cId="2419594333" sldId="2147483651"/>
+          </pc:sldLayoutMkLst>
+          <pc:spChg chg="mod">
+            <ac:chgData name="坂本 嵩" userId="54380f1e-e920-4bf3-aacc-35b07fd0251e" providerId="ADAL" clId="{52F1B614-AF56-4096-9652-87A4971CC591}" dt="2019-12-03T09:47:48.616" v="4"/>
+            <ac:spMkLst>
+              <pc:docMk/>
+              <pc:sldMasterMk cId="3408161798" sldId="2147483648"/>
+              <pc:sldLayoutMk cId="2419594333" sldId="2147483651"/>
+              <ac:spMk id="2" creationId="{EBE3B69D-849D-4D87-B297-AB9F4AC0BCCD}"/>
+            </ac:spMkLst>
+          </pc:spChg>
+          <pc:spChg chg="mod">
+            <ac:chgData name="坂本 嵩" userId="54380f1e-e920-4bf3-aacc-35b07fd0251e" providerId="ADAL" clId="{52F1B614-AF56-4096-9652-87A4971CC591}" dt="2019-12-03T09:47:48.616" v="4"/>
+            <ac:spMkLst>
+              <pc:docMk/>
+              <pc:sldMasterMk cId="3408161798" sldId="2147483648"/>
+              <pc:sldLayoutMk cId="2419594333" sldId="2147483651"/>
+              <ac:spMk id="3" creationId="{F54D249C-5D07-4F43-A604-6FC8E4334B19}"/>
+            </ac:spMkLst>
+          </pc:spChg>
+        </pc:sldLayoutChg>
+        <pc:sldLayoutChg chg="modSp">
+          <pc:chgData name="坂本 嵩" userId="54380f1e-e920-4bf3-aacc-35b07fd0251e" providerId="ADAL" clId="{52F1B614-AF56-4096-9652-87A4971CC591}" dt="2019-12-03T09:47:48.616" v="4"/>
+          <pc:sldLayoutMkLst>
+            <pc:docMk/>
+            <pc:sldMasterMk cId="3408161798" sldId="2147483648"/>
+            <pc:sldLayoutMk cId="971871719" sldId="2147483652"/>
+          </pc:sldLayoutMkLst>
+          <pc:spChg chg="mod">
+            <ac:chgData name="坂本 嵩" userId="54380f1e-e920-4bf3-aacc-35b07fd0251e" providerId="ADAL" clId="{52F1B614-AF56-4096-9652-87A4971CC591}" dt="2019-12-03T09:47:48.616" v="4"/>
+            <ac:spMkLst>
+              <pc:docMk/>
+              <pc:sldMasterMk cId="3408161798" sldId="2147483648"/>
+              <pc:sldLayoutMk cId="971871719" sldId="2147483652"/>
+              <ac:spMk id="3" creationId="{A4471B42-8AC6-4F61-8E49-4885C47041BE}"/>
+            </ac:spMkLst>
+          </pc:spChg>
+          <pc:spChg chg="mod">
+            <ac:chgData name="坂本 嵩" userId="54380f1e-e920-4bf3-aacc-35b07fd0251e" providerId="ADAL" clId="{52F1B614-AF56-4096-9652-87A4971CC591}" dt="2019-12-03T09:47:48.616" v="4"/>
+            <ac:spMkLst>
+              <pc:docMk/>
+              <pc:sldMasterMk cId="3408161798" sldId="2147483648"/>
+              <pc:sldLayoutMk cId="971871719" sldId="2147483652"/>
+              <ac:spMk id="4" creationId="{939DEB52-2080-45BF-AEC5-3F6F2989C8A9}"/>
+            </ac:spMkLst>
+          </pc:spChg>
+        </pc:sldLayoutChg>
+        <pc:sldLayoutChg chg="modSp">
+          <pc:chgData name="坂本 嵩" userId="54380f1e-e920-4bf3-aacc-35b07fd0251e" providerId="ADAL" clId="{52F1B614-AF56-4096-9652-87A4971CC591}" dt="2019-12-03T09:47:48.616" v="4"/>
+          <pc:sldLayoutMkLst>
+            <pc:docMk/>
+            <pc:sldMasterMk cId="3408161798" sldId="2147483648"/>
+            <pc:sldLayoutMk cId="3182710229" sldId="2147483653"/>
+          </pc:sldLayoutMkLst>
+          <pc:spChg chg="mod">
+            <ac:chgData name="坂本 嵩" userId="54380f1e-e920-4bf3-aacc-35b07fd0251e" providerId="ADAL" clId="{52F1B614-AF56-4096-9652-87A4971CC591}" dt="2019-12-03T09:47:48.616" v="4"/>
+            <ac:spMkLst>
+              <pc:docMk/>
+              <pc:sldMasterMk cId="3408161798" sldId="2147483648"/>
+              <pc:sldLayoutMk cId="3182710229" sldId="2147483653"/>
+              <ac:spMk id="2" creationId="{EE1EEE1B-31B5-4DD7-ACEE-49244298CF72}"/>
+            </ac:spMkLst>
+          </pc:spChg>
+          <pc:spChg chg="mod">
+            <ac:chgData name="坂本 嵩" userId="54380f1e-e920-4bf3-aacc-35b07fd0251e" providerId="ADAL" clId="{52F1B614-AF56-4096-9652-87A4971CC591}" dt="2019-12-03T09:47:48.616" v="4"/>
+            <ac:spMkLst>
+              <pc:docMk/>
+              <pc:sldMasterMk cId="3408161798" sldId="2147483648"/>
+              <pc:sldLayoutMk cId="3182710229" sldId="2147483653"/>
+              <ac:spMk id="3" creationId="{4B9678C0-17DD-404B-B4A2-730CDEBEF64A}"/>
+            </ac:spMkLst>
+          </pc:spChg>
+          <pc:spChg chg="mod">
+            <ac:chgData name="坂本 嵩" userId="54380f1e-e920-4bf3-aacc-35b07fd0251e" providerId="ADAL" clId="{52F1B614-AF56-4096-9652-87A4971CC591}" dt="2019-12-03T09:47:48.616" v="4"/>
+            <ac:spMkLst>
+              <pc:docMk/>
+              <pc:sldMasterMk cId="3408161798" sldId="2147483648"/>
+              <pc:sldLayoutMk cId="3182710229" sldId="2147483653"/>
+              <ac:spMk id="4" creationId="{51FDB11E-1FDD-494C-9B85-03202AD4757B}"/>
+            </ac:spMkLst>
+          </pc:spChg>
+          <pc:spChg chg="mod">
+            <ac:chgData name="坂本 嵩" userId="54380f1e-e920-4bf3-aacc-35b07fd0251e" providerId="ADAL" clId="{52F1B614-AF56-4096-9652-87A4971CC591}" dt="2019-12-03T09:47:48.616" v="4"/>
+            <ac:spMkLst>
+              <pc:docMk/>
+              <pc:sldMasterMk cId="3408161798" sldId="2147483648"/>
+              <pc:sldLayoutMk cId="3182710229" sldId="2147483653"/>
+              <ac:spMk id="5" creationId="{AB7B7F72-69FB-4736-8B93-820A3D08B041}"/>
+            </ac:spMkLst>
+          </pc:spChg>
+          <pc:spChg chg="mod">
+            <ac:chgData name="坂本 嵩" userId="54380f1e-e920-4bf3-aacc-35b07fd0251e" providerId="ADAL" clId="{52F1B614-AF56-4096-9652-87A4971CC591}" dt="2019-12-03T09:47:48.616" v="4"/>
+            <ac:spMkLst>
+              <pc:docMk/>
+              <pc:sldMasterMk cId="3408161798" sldId="2147483648"/>
+              <pc:sldLayoutMk cId="3182710229" sldId="2147483653"/>
+              <ac:spMk id="6" creationId="{C940F46C-97B1-43D3-94EF-754A90713554}"/>
+            </ac:spMkLst>
+          </pc:spChg>
+        </pc:sldLayoutChg>
+        <pc:sldLayoutChg chg="modSp">
+          <pc:chgData name="坂本 嵩" userId="54380f1e-e920-4bf3-aacc-35b07fd0251e" providerId="ADAL" clId="{52F1B614-AF56-4096-9652-87A4971CC591}" dt="2019-12-03T09:47:48.616" v="4"/>
+          <pc:sldLayoutMkLst>
+            <pc:docMk/>
+            <pc:sldMasterMk cId="3408161798" sldId="2147483648"/>
+            <pc:sldLayoutMk cId="2898728336" sldId="2147483656"/>
+          </pc:sldLayoutMkLst>
+          <pc:spChg chg="mod">
+            <ac:chgData name="坂本 嵩" userId="54380f1e-e920-4bf3-aacc-35b07fd0251e" providerId="ADAL" clId="{52F1B614-AF56-4096-9652-87A4971CC591}" dt="2019-12-03T09:47:48.616" v="4"/>
+            <ac:spMkLst>
+              <pc:docMk/>
+              <pc:sldMasterMk cId="3408161798" sldId="2147483648"/>
+              <pc:sldLayoutMk cId="2898728336" sldId="2147483656"/>
+              <ac:spMk id="2" creationId="{A9DB8A4A-66BA-4E06-8A9A-51DE85F681D1}"/>
+            </ac:spMkLst>
+          </pc:spChg>
+          <pc:spChg chg="mod">
+            <ac:chgData name="坂本 嵩" userId="54380f1e-e920-4bf3-aacc-35b07fd0251e" providerId="ADAL" clId="{52F1B614-AF56-4096-9652-87A4971CC591}" dt="2019-12-03T09:47:48.616" v="4"/>
+            <ac:spMkLst>
+              <pc:docMk/>
+              <pc:sldMasterMk cId="3408161798" sldId="2147483648"/>
+              <pc:sldLayoutMk cId="2898728336" sldId="2147483656"/>
+              <ac:spMk id="3" creationId="{019CF191-6180-493E-984F-E665CB301CAA}"/>
+            </ac:spMkLst>
+          </pc:spChg>
+          <pc:spChg chg="mod">
+            <ac:chgData name="坂本 嵩" userId="54380f1e-e920-4bf3-aacc-35b07fd0251e" providerId="ADAL" clId="{52F1B614-AF56-4096-9652-87A4971CC591}" dt="2019-12-03T09:47:48.616" v="4"/>
+            <ac:spMkLst>
+              <pc:docMk/>
+              <pc:sldMasterMk cId="3408161798" sldId="2147483648"/>
+              <pc:sldLayoutMk cId="2898728336" sldId="2147483656"/>
+              <ac:spMk id="4" creationId="{17480BEA-AE5D-4451-846C-44DDF51DDFC2}"/>
+            </ac:spMkLst>
+          </pc:spChg>
+        </pc:sldLayoutChg>
+        <pc:sldLayoutChg chg="modSp">
+          <pc:chgData name="坂本 嵩" userId="54380f1e-e920-4bf3-aacc-35b07fd0251e" providerId="ADAL" clId="{52F1B614-AF56-4096-9652-87A4971CC591}" dt="2019-12-03T09:47:48.616" v="4"/>
+          <pc:sldLayoutMkLst>
+            <pc:docMk/>
+            <pc:sldMasterMk cId="3408161798" sldId="2147483648"/>
+            <pc:sldLayoutMk cId="3998417599" sldId="2147483657"/>
+          </pc:sldLayoutMkLst>
+          <pc:spChg chg="mod">
+            <ac:chgData name="坂本 嵩" userId="54380f1e-e920-4bf3-aacc-35b07fd0251e" providerId="ADAL" clId="{52F1B614-AF56-4096-9652-87A4971CC591}" dt="2019-12-03T09:47:48.616" v="4"/>
+            <ac:spMkLst>
+              <pc:docMk/>
+              <pc:sldMasterMk cId="3408161798" sldId="2147483648"/>
+              <pc:sldLayoutMk cId="3998417599" sldId="2147483657"/>
+              <ac:spMk id="2" creationId="{747D87FA-851C-45EE-85D4-7812E6683014}"/>
+            </ac:spMkLst>
+          </pc:spChg>
+          <pc:spChg chg="mod">
+            <ac:chgData name="坂本 嵩" userId="54380f1e-e920-4bf3-aacc-35b07fd0251e" providerId="ADAL" clId="{52F1B614-AF56-4096-9652-87A4971CC591}" dt="2019-12-03T09:47:48.616" v="4"/>
+            <ac:spMkLst>
+              <pc:docMk/>
+              <pc:sldMasterMk cId="3408161798" sldId="2147483648"/>
+              <pc:sldLayoutMk cId="3998417599" sldId="2147483657"/>
+              <ac:spMk id="3" creationId="{0382018C-4AFE-42B2-97E0-2F46054E450B}"/>
+            </ac:spMkLst>
+          </pc:spChg>
+          <pc:spChg chg="mod">
+            <ac:chgData name="坂本 嵩" userId="54380f1e-e920-4bf3-aacc-35b07fd0251e" providerId="ADAL" clId="{52F1B614-AF56-4096-9652-87A4971CC591}" dt="2019-12-03T09:47:48.616" v="4"/>
+            <ac:spMkLst>
+              <pc:docMk/>
+              <pc:sldMasterMk cId="3408161798" sldId="2147483648"/>
+              <pc:sldLayoutMk cId="3998417599" sldId="2147483657"/>
+              <ac:spMk id="4" creationId="{94B39FFA-0FC8-4FA3-BA1C-2E71D1FBEA3C}"/>
+            </ac:spMkLst>
+          </pc:spChg>
+        </pc:sldLayoutChg>
+        <pc:sldLayoutChg chg="modSp">
+          <pc:chgData name="坂本 嵩" userId="54380f1e-e920-4bf3-aacc-35b07fd0251e" providerId="ADAL" clId="{52F1B614-AF56-4096-9652-87A4971CC591}" dt="2019-12-03T09:47:48.616" v="4"/>
+          <pc:sldLayoutMkLst>
+            <pc:docMk/>
+            <pc:sldMasterMk cId="3408161798" sldId="2147483648"/>
+            <pc:sldLayoutMk cId="1712873363" sldId="2147483659"/>
+          </pc:sldLayoutMkLst>
+          <pc:spChg chg="mod">
+            <ac:chgData name="坂本 嵩" userId="54380f1e-e920-4bf3-aacc-35b07fd0251e" providerId="ADAL" clId="{52F1B614-AF56-4096-9652-87A4971CC591}" dt="2019-12-03T09:47:48.616" v="4"/>
+            <ac:spMkLst>
+              <pc:docMk/>
+              <pc:sldMasterMk cId="3408161798" sldId="2147483648"/>
+              <pc:sldLayoutMk cId="1712873363" sldId="2147483659"/>
+              <ac:spMk id="2" creationId="{1FC7E927-FFA7-4C53-9514-02E07DA4FED6}"/>
+            </ac:spMkLst>
+          </pc:spChg>
+          <pc:spChg chg="mod">
+            <ac:chgData name="坂本 嵩" userId="54380f1e-e920-4bf3-aacc-35b07fd0251e" providerId="ADAL" clId="{52F1B614-AF56-4096-9652-87A4971CC591}" dt="2019-12-03T09:47:48.616" v="4"/>
+            <ac:spMkLst>
+              <pc:docMk/>
+              <pc:sldMasterMk cId="3408161798" sldId="2147483648"/>
+              <pc:sldLayoutMk cId="1712873363" sldId="2147483659"/>
+              <ac:spMk id="3" creationId="{99682705-311E-4444-A8D2-491B7281D85E}"/>
+            </ac:spMkLst>
+          </pc:spChg>
+        </pc:sldLayoutChg>
+      </pc:sldMasterChg>
     </pc:docChg>
   </pc:docChgLst>
 </pc:chgInfo>
@@ -168,13 +466,7 @@
       </p:grpSpPr>
       <p:sp>
         <p:nvSpPr>
-          <p:cNvPr id="2" name="タイトル 1">
-            <a:extLst>
-              <a:ext uri="{FF2B5EF4-FFF2-40B4-BE49-F238E27FC236}">
-                <a16:creationId xmlns:a16="http://schemas.microsoft.com/office/drawing/2014/main" id="{8C5DDCC7-3834-4920-9D8C-4D2D0F548E87}"/>
-              </a:ext>
-            </a:extLst>
-          </p:cNvPr>
+          <p:cNvPr id="2" name="Title 1"/>
           <p:cNvSpPr>
             <a:spLocks noGrp="1"/>
           </p:cNvSpPr>
@@ -184,8 +476,8 @@
         </p:nvSpPr>
         <p:spPr>
           <a:xfrm>
-            <a:off x="1524000" y="1122363"/>
-            <a:ext cx="9144000" cy="2387600"/>
+            <a:off x="685800" y="1122363"/>
+            <a:ext cx="7772400" cy="2387600"/>
           </a:xfrm>
         </p:spPr>
         <p:txBody>
@@ -197,21 +489,16 @@
           </a:lstStyle>
           <a:p>
             <a:r>
-              <a:rPr kumimoji="1" lang="ja-JP" altLang="en-US"/>
+              <a:rPr lang="ja-JP" altLang="en-US"/>
               <a:t>マスター タイトルの書式設定</a:t>
             </a:r>
-          </a:p>
-        </p:txBody>
-      </p:sp>
-      <p:sp>
-        <p:nvSpPr>
-          <p:cNvPr id="3" name="字幕 2">
-            <a:extLst>
-              <a:ext uri="{FF2B5EF4-FFF2-40B4-BE49-F238E27FC236}">
-                <a16:creationId xmlns:a16="http://schemas.microsoft.com/office/drawing/2014/main" id="{9957B423-7983-4C3B-8D8D-2E2A9F717955}"/>
-              </a:ext>
-            </a:extLst>
-          </p:cNvPr>
+            <a:endParaRPr lang="en-US" dirty="0"/>
+          </a:p>
+        </p:txBody>
+      </p:sp>
+      <p:sp>
+        <p:nvSpPr>
+          <p:cNvPr id="3" name="Subtitle 2"/>
           <p:cNvSpPr>
             <a:spLocks noGrp="1"/>
           </p:cNvSpPr>
@@ -221,8 +508,8 @@
         </p:nvSpPr>
         <p:spPr>
           <a:xfrm>
-            <a:off x="1524000" y="3602038"/>
-            <a:ext cx="9144000" cy="1655762"/>
+            <a:off x="1143000" y="3602038"/>
+            <a:ext cx="6858000" cy="1655762"/>
           </a:xfrm>
         </p:spPr>
         <p:txBody>
@@ -267,21 +554,16 @@
           </a:lstStyle>
           <a:p>
             <a:r>
-              <a:rPr kumimoji="1" lang="ja-JP" altLang="en-US"/>
+              <a:rPr lang="ja-JP" altLang="en-US"/>
               <a:t>マスター サブタイトルの書式設定</a:t>
             </a:r>
-          </a:p>
-        </p:txBody>
-      </p:sp>
-      <p:sp>
-        <p:nvSpPr>
-          <p:cNvPr id="4" name="日付プレースホルダー 3">
-            <a:extLst>
-              <a:ext uri="{FF2B5EF4-FFF2-40B4-BE49-F238E27FC236}">
-                <a16:creationId xmlns:a16="http://schemas.microsoft.com/office/drawing/2014/main" id="{C0342C93-9570-466B-AA31-35C17F13E6D9}"/>
-              </a:ext>
-            </a:extLst>
-          </p:cNvPr>
+            <a:endParaRPr lang="en-US" dirty="0"/>
+          </a:p>
+        </p:txBody>
+      </p:sp>
+      <p:sp>
+        <p:nvSpPr>
+          <p:cNvPr id="4" name="Date Placeholder 3"/>
           <p:cNvSpPr>
             <a:spLocks noGrp="1"/>
           </p:cNvSpPr>
@@ -304,13 +586,7 @@
       </p:sp>
       <p:sp>
         <p:nvSpPr>
-          <p:cNvPr id="5" name="フッター プレースホルダー 4">
-            <a:extLst>
-              <a:ext uri="{FF2B5EF4-FFF2-40B4-BE49-F238E27FC236}">
-                <a16:creationId xmlns:a16="http://schemas.microsoft.com/office/drawing/2014/main" id="{D6A4BBDB-EE3C-4C06-8580-DFD145E95E10}"/>
-              </a:ext>
-            </a:extLst>
-          </p:cNvPr>
+          <p:cNvPr id="5" name="Footer Placeholder 4"/>
           <p:cNvSpPr>
             <a:spLocks noGrp="1"/>
           </p:cNvSpPr>
@@ -329,13 +605,7 @@
       </p:sp>
       <p:sp>
         <p:nvSpPr>
-          <p:cNvPr id="6" name="スライド番号プレースホルダー 5">
-            <a:extLst>
-              <a:ext uri="{FF2B5EF4-FFF2-40B4-BE49-F238E27FC236}">
-                <a16:creationId xmlns:a16="http://schemas.microsoft.com/office/drawing/2014/main" id="{EE751EB4-DFAD-404A-AE59-B8F58003D47C}"/>
-              </a:ext>
-            </a:extLst>
-          </p:cNvPr>
+          <p:cNvPr id="6" name="Slide Number Placeholder 5"/>
           <p:cNvSpPr>
             <a:spLocks noGrp="1"/>
           </p:cNvSpPr>
@@ -359,7 +629,7 @@
     </p:spTree>
     <p:extLst>
       <p:ext uri="{BB962C8B-B14F-4D97-AF65-F5344CB8AC3E}">
-        <p14:creationId xmlns:p14="http://schemas.microsoft.com/office/powerpoint/2010/main" val="3391792260"/>
+        <p14:creationId xmlns:p14="http://schemas.microsoft.com/office/powerpoint/2010/main" val="428884785"/>
       </p:ext>
     </p:extLst>
   </p:cSld>
@@ -388,13 +658,7 @@
       </p:grpSpPr>
       <p:sp>
         <p:nvSpPr>
-          <p:cNvPr id="2" name="タイトル 1">
-            <a:extLst>
-              <a:ext uri="{FF2B5EF4-FFF2-40B4-BE49-F238E27FC236}">
-                <a16:creationId xmlns:a16="http://schemas.microsoft.com/office/drawing/2014/main" id="{F9DFAF9B-F69B-47BF-8032-2E0A9F66F6F4}"/>
-              </a:ext>
-            </a:extLst>
-          </p:cNvPr>
+          <p:cNvPr id="2" name="Title 1"/>
           <p:cNvSpPr>
             <a:spLocks noGrp="1"/>
           </p:cNvSpPr>
@@ -408,21 +672,16 @@
           <a:lstStyle/>
           <a:p>
             <a:r>
-              <a:rPr kumimoji="1" lang="ja-JP" altLang="en-US"/>
+              <a:rPr lang="ja-JP" altLang="en-US"/>
               <a:t>マスター タイトルの書式設定</a:t>
             </a:r>
-          </a:p>
-        </p:txBody>
-      </p:sp>
-      <p:sp>
-        <p:nvSpPr>
-          <p:cNvPr id="3" name="縦書きテキスト プレースホルダー 2">
-            <a:extLst>
-              <a:ext uri="{FF2B5EF4-FFF2-40B4-BE49-F238E27FC236}">
-                <a16:creationId xmlns:a16="http://schemas.microsoft.com/office/drawing/2014/main" id="{BF27D960-4D81-44BC-8C0E-430C0B0B99CB}"/>
-              </a:ext>
-            </a:extLst>
-          </p:cNvPr>
+            <a:endParaRPr lang="en-US" dirty="0"/>
+          </a:p>
+        </p:txBody>
+      </p:sp>
+      <p:sp>
+        <p:nvSpPr>
+          <p:cNvPr id="3" name="Vertical Text Placeholder 2"/>
           <p:cNvSpPr>
             <a:spLocks noGrp="1"/>
           </p:cNvSpPr>
@@ -437,81 +696,76 @@
           <a:p>
             <a:pPr lvl="0"/>
             <a:r>
-              <a:rPr kumimoji="1" lang="ja-JP" altLang="en-US"/>
+              <a:rPr lang="ja-JP" altLang="en-US"/>
               <a:t>マスター テキストの書式設定</a:t>
             </a:r>
           </a:p>
           <a:p>
             <a:pPr lvl="1"/>
             <a:r>
-              <a:rPr kumimoji="1" lang="ja-JP" altLang="en-US"/>
+              <a:rPr lang="ja-JP" altLang="en-US"/>
               <a:t>第 </a:t>
             </a:r>
             <a:r>
-              <a:rPr kumimoji="1" lang="en-US" altLang="ja-JP"/>
+              <a:rPr lang="en-US" altLang="ja-JP"/>
               <a:t>2 </a:t>
             </a:r>
             <a:r>
-              <a:rPr kumimoji="1" lang="ja-JP" altLang="en-US"/>
+              <a:rPr lang="ja-JP" altLang="en-US"/>
               <a:t>レベル</a:t>
             </a:r>
           </a:p>
           <a:p>
             <a:pPr lvl="2"/>
             <a:r>
-              <a:rPr kumimoji="1" lang="ja-JP" altLang="en-US"/>
+              <a:rPr lang="ja-JP" altLang="en-US"/>
               <a:t>第 </a:t>
             </a:r>
             <a:r>
-              <a:rPr kumimoji="1" lang="en-US" altLang="ja-JP"/>
+              <a:rPr lang="en-US" altLang="ja-JP"/>
               <a:t>3 </a:t>
             </a:r>
             <a:r>
-              <a:rPr kumimoji="1" lang="ja-JP" altLang="en-US"/>
+              <a:rPr lang="ja-JP" altLang="en-US"/>
               <a:t>レベル</a:t>
             </a:r>
           </a:p>
           <a:p>
             <a:pPr lvl="3"/>
             <a:r>
-              <a:rPr kumimoji="1" lang="ja-JP" altLang="en-US"/>
+              <a:rPr lang="ja-JP" altLang="en-US"/>
               <a:t>第 </a:t>
             </a:r>
             <a:r>
-              <a:rPr kumimoji="1" lang="en-US" altLang="ja-JP"/>
+              <a:rPr lang="en-US" altLang="ja-JP"/>
               <a:t>4 </a:t>
             </a:r>
             <a:r>
-              <a:rPr kumimoji="1" lang="ja-JP" altLang="en-US"/>
+              <a:rPr lang="ja-JP" altLang="en-US"/>
               <a:t>レベル</a:t>
             </a:r>
           </a:p>
           <a:p>
             <a:pPr lvl="4"/>
             <a:r>
-              <a:rPr kumimoji="1" lang="ja-JP" altLang="en-US"/>
+              <a:rPr lang="ja-JP" altLang="en-US"/>
               <a:t>第 </a:t>
             </a:r>
             <a:r>
-              <a:rPr kumimoji="1" lang="en-US" altLang="ja-JP"/>
+              <a:rPr lang="en-US" altLang="ja-JP"/>
               <a:t>5 </a:t>
             </a:r>
             <a:r>
-              <a:rPr kumimoji="1" lang="ja-JP" altLang="en-US"/>
+              <a:rPr lang="ja-JP" altLang="en-US"/>
               <a:t>レベル</a:t>
             </a:r>
-          </a:p>
-        </p:txBody>
-      </p:sp>
-      <p:sp>
-        <p:nvSpPr>
-          <p:cNvPr id="4" name="日付プレースホルダー 3">
-            <a:extLst>
-              <a:ext uri="{FF2B5EF4-FFF2-40B4-BE49-F238E27FC236}">
-                <a16:creationId xmlns:a16="http://schemas.microsoft.com/office/drawing/2014/main" id="{45ADA57D-50A4-453C-B04E-FE73CC92B40A}"/>
-              </a:ext>
-            </a:extLst>
-          </p:cNvPr>
+            <a:endParaRPr lang="en-US" dirty="0"/>
+          </a:p>
+        </p:txBody>
+      </p:sp>
+      <p:sp>
+        <p:nvSpPr>
+          <p:cNvPr id="4" name="Date Placeholder 3"/>
           <p:cNvSpPr>
             <a:spLocks noGrp="1"/>
           </p:cNvSpPr>
@@ -534,13 +788,7 @@
       </p:sp>
       <p:sp>
         <p:nvSpPr>
-          <p:cNvPr id="5" name="フッター プレースホルダー 4">
-            <a:extLst>
-              <a:ext uri="{FF2B5EF4-FFF2-40B4-BE49-F238E27FC236}">
-                <a16:creationId xmlns:a16="http://schemas.microsoft.com/office/drawing/2014/main" id="{0E12F045-EBF0-4E31-8F73-78B2C0C4DCE2}"/>
-              </a:ext>
-            </a:extLst>
-          </p:cNvPr>
+          <p:cNvPr id="5" name="Footer Placeholder 4"/>
           <p:cNvSpPr>
             <a:spLocks noGrp="1"/>
           </p:cNvSpPr>
@@ -559,13 +807,7 @@
       </p:sp>
       <p:sp>
         <p:nvSpPr>
-          <p:cNvPr id="6" name="スライド番号プレースホルダー 5">
-            <a:extLst>
-              <a:ext uri="{FF2B5EF4-FFF2-40B4-BE49-F238E27FC236}">
-                <a16:creationId xmlns:a16="http://schemas.microsoft.com/office/drawing/2014/main" id="{537FFCB7-C96F-4AF1-AC02-120BBE235835}"/>
-              </a:ext>
-            </a:extLst>
-          </p:cNvPr>
+          <p:cNvPr id="6" name="Slide Number Placeholder 5"/>
           <p:cNvSpPr>
             <a:spLocks noGrp="1"/>
           </p:cNvSpPr>
@@ -589,7 +831,7 @@
     </p:spTree>
     <p:extLst>
       <p:ext uri="{BB962C8B-B14F-4D97-AF65-F5344CB8AC3E}">
-        <p14:creationId xmlns:p14="http://schemas.microsoft.com/office/powerpoint/2010/main" val="4030699300"/>
+        <p14:creationId xmlns:p14="http://schemas.microsoft.com/office/powerpoint/2010/main" val="1955417981"/>
       </p:ext>
     </p:extLst>
   </p:cSld>
@@ -618,13 +860,7 @@
       </p:grpSpPr>
       <p:sp>
         <p:nvSpPr>
-          <p:cNvPr id="2" name="縦書きタイトル 1">
-            <a:extLst>
-              <a:ext uri="{FF2B5EF4-FFF2-40B4-BE49-F238E27FC236}">
-                <a16:creationId xmlns:a16="http://schemas.microsoft.com/office/drawing/2014/main" id="{1FC7E927-FFA7-4C53-9514-02E07DA4FED6}"/>
-              </a:ext>
-            </a:extLst>
-          </p:cNvPr>
+          <p:cNvPr id="2" name="Vertical Title 1"/>
           <p:cNvSpPr>
             <a:spLocks noGrp="1"/>
           </p:cNvSpPr>
@@ -634,8 +870,8 @@
         </p:nvSpPr>
         <p:spPr>
           <a:xfrm>
-            <a:off x="8724900" y="365125"/>
-            <a:ext cx="2628900" cy="5811838"/>
+            <a:off x="6543675" y="365125"/>
+            <a:ext cx="1971675" cy="5811838"/>
           </a:xfrm>
         </p:spPr>
         <p:txBody>
@@ -643,21 +879,16 @@
           <a:lstStyle/>
           <a:p>
             <a:r>
-              <a:rPr kumimoji="1" lang="ja-JP" altLang="en-US"/>
+              <a:rPr lang="ja-JP" altLang="en-US"/>
               <a:t>マスター タイトルの書式設定</a:t>
             </a:r>
-          </a:p>
-        </p:txBody>
-      </p:sp>
-      <p:sp>
-        <p:nvSpPr>
-          <p:cNvPr id="3" name="縦書きテキスト プレースホルダー 2">
-            <a:extLst>
-              <a:ext uri="{FF2B5EF4-FFF2-40B4-BE49-F238E27FC236}">
-                <a16:creationId xmlns:a16="http://schemas.microsoft.com/office/drawing/2014/main" id="{99682705-311E-4444-A8D2-491B7281D85E}"/>
-              </a:ext>
-            </a:extLst>
-          </p:cNvPr>
+            <a:endParaRPr lang="en-US" dirty="0"/>
+          </a:p>
+        </p:txBody>
+      </p:sp>
+      <p:sp>
+        <p:nvSpPr>
+          <p:cNvPr id="3" name="Vertical Text Placeholder 2"/>
           <p:cNvSpPr>
             <a:spLocks noGrp="1"/>
           </p:cNvSpPr>
@@ -667,8 +898,8 @@
         </p:nvSpPr>
         <p:spPr>
           <a:xfrm>
-            <a:off x="838200" y="365125"/>
-            <a:ext cx="7734300" cy="5811838"/>
+            <a:off x="628650" y="365125"/>
+            <a:ext cx="5800725" cy="5811838"/>
           </a:xfrm>
         </p:spPr>
         <p:txBody>
@@ -677,81 +908,76 @@
           <a:p>
             <a:pPr lvl="0"/>
             <a:r>
-              <a:rPr kumimoji="1" lang="ja-JP" altLang="en-US"/>
+              <a:rPr lang="ja-JP" altLang="en-US"/>
               <a:t>マスター テキストの書式設定</a:t>
             </a:r>
           </a:p>
           <a:p>
             <a:pPr lvl="1"/>
             <a:r>
-              <a:rPr kumimoji="1" lang="ja-JP" altLang="en-US"/>
+              <a:rPr lang="ja-JP" altLang="en-US"/>
               <a:t>第 </a:t>
             </a:r>
             <a:r>
-              <a:rPr kumimoji="1" lang="en-US" altLang="ja-JP"/>
+              <a:rPr lang="en-US" altLang="ja-JP"/>
               <a:t>2 </a:t>
             </a:r>
             <a:r>
-              <a:rPr kumimoji="1" lang="ja-JP" altLang="en-US"/>
+              <a:rPr lang="ja-JP" altLang="en-US"/>
               <a:t>レベル</a:t>
             </a:r>
           </a:p>
           <a:p>
             <a:pPr lvl="2"/>
             <a:r>
-              <a:rPr kumimoji="1" lang="ja-JP" altLang="en-US"/>
+              <a:rPr lang="ja-JP" altLang="en-US"/>
               <a:t>第 </a:t>
             </a:r>
             <a:r>
-              <a:rPr kumimoji="1" lang="en-US" altLang="ja-JP"/>
+              <a:rPr lang="en-US" altLang="ja-JP"/>
               <a:t>3 </a:t>
             </a:r>
             <a:r>
-              <a:rPr kumimoji="1" lang="ja-JP" altLang="en-US"/>
+              <a:rPr lang="ja-JP" altLang="en-US"/>
               <a:t>レベル</a:t>
             </a:r>
           </a:p>
           <a:p>
             <a:pPr lvl="3"/>
             <a:r>
-              <a:rPr kumimoji="1" lang="ja-JP" altLang="en-US"/>
+              <a:rPr lang="ja-JP" altLang="en-US"/>
               <a:t>第 </a:t>
             </a:r>
             <a:r>
-              <a:rPr kumimoji="1" lang="en-US" altLang="ja-JP"/>
+              <a:rPr lang="en-US" altLang="ja-JP"/>
               <a:t>4 </a:t>
             </a:r>
             <a:r>
-              <a:rPr kumimoji="1" lang="ja-JP" altLang="en-US"/>
+              <a:rPr lang="ja-JP" altLang="en-US"/>
               <a:t>レベル</a:t>
             </a:r>
           </a:p>
           <a:p>
             <a:pPr lvl="4"/>
             <a:r>
-              <a:rPr kumimoji="1" lang="ja-JP" altLang="en-US"/>
+              <a:rPr lang="ja-JP" altLang="en-US"/>
               <a:t>第 </a:t>
             </a:r>
             <a:r>
-              <a:rPr kumimoji="1" lang="en-US" altLang="ja-JP"/>
+              <a:rPr lang="en-US" altLang="ja-JP"/>
               <a:t>5 </a:t>
             </a:r>
             <a:r>
-              <a:rPr kumimoji="1" lang="ja-JP" altLang="en-US"/>
+              <a:rPr lang="ja-JP" altLang="en-US"/>
               <a:t>レベル</a:t>
             </a:r>
-          </a:p>
-        </p:txBody>
-      </p:sp>
-      <p:sp>
-        <p:nvSpPr>
-          <p:cNvPr id="4" name="日付プレースホルダー 3">
-            <a:extLst>
-              <a:ext uri="{FF2B5EF4-FFF2-40B4-BE49-F238E27FC236}">
-                <a16:creationId xmlns:a16="http://schemas.microsoft.com/office/drawing/2014/main" id="{7EE5708E-EE41-4F20-AAAA-37AF72556613}"/>
-              </a:ext>
-            </a:extLst>
-          </p:cNvPr>
+            <a:endParaRPr lang="en-US" dirty="0"/>
+          </a:p>
+        </p:txBody>
+      </p:sp>
+      <p:sp>
+        <p:nvSpPr>
+          <p:cNvPr id="4" name="Date Placeholder 3"/>
           <p:cNvSpPr>
             <a:spLocks noGrp="1"/>
           </p:cNvSpPr>
@@ -774,13 +1000,7 @@
       </p:sp>
       <p:sp>
         <p:nvSpPr>
-          <p:cNvPr id="5" name="フッター プレースホルダー 4">
-            <a:extLst>
-              <a:ext uri="{FF2B5EF4-FFF2-40B4-BE49-F238E27FC236}">
-                <a16:creationId xmlns:a16="http://schemas.microsoft.com/office/drawing/2014/main" id="{63ED4DA9-D90D-4115-989F-0126028AD5DE}"/>
-              </a:ext>
-            </a:extLst>
-          </p:cNvPr>
+          <p:cNvPr id="5" name="Footer Placeholder 4"/>
           <p:cNvSpPr>
             <a:spLocks noGrp="1"/>
           </p:cNvSpPr>
@@ -799,13 +1019,7 @@
       </p:sp>
       <p:sp>
         <p:nvSpPr>
-          <p:cNvPr id="6" name="スライド番号プレースホルダー 5">
-            <a:extLst>
-              <a:ext uri="{FF2B5EF4-FFF2-40B4-BE49-F238E27FC236}">
-                <a16:creationId xmlns:a16="http://schemas.microsoft.com/office/drawing/2014/main" id="{5719696D-4EB4-418C-90AC-9D501DF3684B}"/>
-              </a:ext>
-            </a:extLst>
-          </p:cNvPr>
+          <p:cNvPr id="6" name="Slide Number Placeholder 5"/>
           <p:cNvSpPr>
             <a:spLocks noGrp="1"/>
           </p:cNvSpPr>
@@ -829,7 +1043,7 @@
     </p:spTree>
     <p:extLst>
       <p:ext uri="{BB962C8B-B14F-4D97-AF65-F5344CB8AC3E}">
-        <p14:creationId xmlns:p14="http://schemas.microsoft.com/office/powerpoint/2010/main" val="1712873363"/>
+        <p14:creationId xmlns:p14="http://schemas.microsoft.com/office/powerpoint/2010/main" val="3346948336"/>
       </p:ext>
     </p:extLst>
   </p:cSld>
@@ -858,13 +1072,7 @@
       </p:grpSpPr>
       <p:sp>
         <p:nvSpPr>
-          <p:cNvPr id="2" name="タイトル 1">
-            <a:extLst>
-              <a:ext uri="{FF2B5EF4-FFF2-40B4-BE49-F238E27FC236}">
-                <a16:creationId xmlns:a16="http://schemas.microsoft.com/office/drawing/2014/main" id="{BD6CE09C-B8A6-4038-88D1-04FA49C298BE}"/>
-              </a:ext>
-            </a:extLst>
-          </p:cNvPr>
+          <p:cNvPr id="2" name="Title 1"/>
           <p:cNvSpPr>
             <a:spLocks noGrp="1"/>
           </p:cNvSpPr>
@@ -878,21 +1086,16 @@
           <a:lstStyle/>
           <a:p>
             <a:r>
-              <a:rPr kumimoji="1" lang="ja-JP" altLang="en-US"/>
+              <a:rPr lang="ja-JP" altLang="en-US"/>
               <a:t>マスター タイトルの書式設定</a:t>
             </a:r>
-          </a:p>
-        </p:txBody>
-      </p:sp>
-      <p:sp>
-        <p:nvSpPr>
-          <p:cNvPr id="3" name="コンテンツ プレースホルダー 2">
-            <a:extLst>
-              <a:ext uri="{FF2B5EF4-FFF2-40B4-BE49-F238E27FC236}">
-                <a16:creationId xmlns:a16="http://schemas.microsoft.com/office/drawing/2014/main" id="{971B00A6-87F1-4668-A4DF-0883DAD928CB}"/>
-              </a:ext>
-            </a:extLst>
-          </p:cNvPr>
+            <a:endParaRPr lang="en-US" dirty="0"/>
+          </a:p>
+        </p:txBody>
+      </p:sp>
+      <p:sp>
+        <p:nvSpPr>
+          <p:cNvPr id="3" name="Content Placeholder 2"/>
           <p:cNvSpPr>
             <a:spLocks noGrp="1"/>
           </p:cNvSpPr>
@@ -907,81 +1110,76 @@
           <a:p>
             <a:pPr lvl="0"/>
             <a:r>
-              <a:rPr kumimoji="1" lang="ja-JP" altLang="en-US"/>
+              <a:rPr lang="ja-JP" altLang="en-US"/>
               <a:t>マスター テキストの書式設定</a:t>
             </a:r>
           </a:p>
           <a:p>
             <a:pPr lvl="1"/>
             <a:r>
-              <a:rPr kumimoji="1" lang="ja-JP" altLang="en-US"/>
+              <a:rPr lang="ja-JP" altLang="en-US"/>
               <a:t>第 </a:t>
             </a:r>
             <a:r>
-              <a:rPr kumimoji="1" lang="en-US" altLang="ja-JP"/>
+              <a:rPr lang="en-US" altLang="ja-JP"/>
               <a:t>2 </a:t>
             </a:r>
             <a:r>
-              <a:rPr kumimoji="1" lang="ja-JP" altLang="en-US"/>
+              <a:rPr lang="ja-JP" altLang="en-US"/>
               <a:t>レベル</a:t>
             </a:r>
           </a:p>
           <a:p>
             <a:pPr lvl="2"/>
             <a:r>
-              <a:rPr kumimoji="1" lang="ja-JP" altLang="en-US"/>
+              <a:rPr lang="ja-JP" altLang="en-US"/>
               <a:t>第 </a:t>
             </a:r>
             <a:r>
-              <a:rPr kumimoji="1" lang="en-US" altLang="ja-JP"/>
+              <a:rPr lang="en-US" altLang="ja-JP"/>
               <a:t>3 </a:t>
             </a:r>
             <a:r>
-              <a:rPr kumimoji="1" lang="ja-JP" altLang="en-US"/>
+              <a:rPr lang="ja-JP" altLang="en-US"/>
               <a:t>レベル</a:t>
             </a:r>
           </a:p>
           <a:p>
             <a:pPr lvl="3"/>
             <a:r>
-              <a:rPr kumimoji="1" lang="ja-JP" altLang="en-US"/>
+              <a:rPr lang="ja-JP" altLang="en-US"/>
               <a:t>第 </a:t>
             </a:r>
             <a:r>
-              <a:rPr kumimoji="1" lang="en-US" altLang="ja-JP"/>
+              <a:rPr lang="en-US" altLang="ja-JP"/>
               <a:t>4 </a:t>
             </a:r>
             <a:r>
-              <a:rPr kumimoji="1" lang="ja-JP" altLang="en-US"/>
+              <a:rPr lang="ja-JP" altLang="en-US"/>
               <a:t>レベル</a:t>
             </a:r>
           </a:p>
           <a:p>
             <a:pPr lvl="4"/>
             <a:r>
-              <a:rPr kumimoji="1" lang="ja-JP" altLang="en-US"/>
+              <a:rPr lang="ja-JP" altLang="en-US"/>
               <a:t>第 </a:t>
             </a:r>
             <a:r>
-              <a:rPr kumimoji="1" lang="en-US" altLang="ja-JP"/>
+              <a:rPr lang="en-US" altLang="ja-JP"/>
               <a:t>5 </a:t>
             </a:r>
             <a:r>
-              <a:rPr kumimoji="1" lang="ja-JP" altLang="en-US"/>
+              <a:rPr lang="ja-JP" altLang="en-US"/>
               <a:t>レベル</a:t>
             </a:r>
-          </a:p>
-        </p:txBody>
-      </p:sp>
-      <p:sp>
-        <p:nvSpPr>
-          <p:cNvPr id="4" name="日付プレースホルダー 3">
-            <a:extLst>
-              <a:ext uri="{FF2B5EF4-FFF2-40B4-BE49-F238E27FC236}">
-                <a16:creationId xmlns:a16="http://schemas.microsoft.com/office/drawing/2014/main" id="{F54B361D-B1F2-4104-BD32-3C957C3928F5}"/>
-              </a:ext>
-            </a:extLst>
-          </p:cNvPr>
+            <a:endParaRPr lang="en-US" dirty="0"/>
+          </a:p>
+        </p:txBody>
+      </p:sp>
+      <p:sp>
+        <p:nvSpPr>
+          <p:cNvPr id="4" name="Date Placeholder 3"/>
           <p:cNvSpPr>
             <a:spLocks noGrp="1"/>
           </p:cNvSpPr>
@@ -1004,13 +1202,7 @@
       </p:sp>
       <p:sp>
         <p:nvSpPr>
-          <p:cNvPr id="5" name="フッター プレースホルダー 4">
-            <a:extLst>
-              <a:ext uri="{FF2B5EF4-FFF2-40B4-BE49-F238E27FC236}">
-                <a16:creationId xmlns:a16="http://schemas.microsoft.com/office/drawing/2014/main" id="{076CE06E-7F53-4205-BA49-B37C5DBCEDA8}"/>
-              </a:ext>
-            </a:extLst>
-          </p:cNvPr>
+          <p:cNvPr id="5" name="Footer Placeholder 4"/>
           <p:cNvSpPr>
             <a:spLocks noGrp="1"/>
           </p:cNvSpPr>
@@ -1029,13 +1221,7 @@
       </p:sp>
       <p:sp>
         <p:nvSpPr>
-          <p:cNvPr id="6" name="スライド番号プレースホルダー 5">
-            <a:extLst>
-              <a:ext uri="{FF2B5EF4-FFF2-40B4-BE49-F238E27FC236}">
-                <a16:creationId xmlns:a16="http://schemas.microsoft.com/office/drawing/2014/main" id="{13CE51E0-2E4E-4259-9057-22667904D4E4}"/>
-              </a:ext>
-            </a:extLst>
-          </p:cNvPr>
+          <p:cNvPr id="6" name="Slide Number Placeholder 5"/>
           <p:cNvSpPr>
             <a:spLocks noGrp="1"/>
           </p:cNvSpPr>
@@ -1059,7 +1245,7 @@
     </p:spTree>
     <p:extLst>
       <p:ext uri="{BB962C8B-B14F-4D97-AF65-F5344CB8AC3E}">
-        <p14:creationId xmlns:p14="http://schemas.microsoft.com/office/powerpoint/2010/main" val="2906514836"/>
+        <p14:creationId xmlns:p14="http://schemas.microsoft.com/office/powerpoint/2010/main" val="1813632028"/>
       </p:ext>
     </p:extLst>
   </p:cSld>
@@ -1088,13 +1274,7 @@
       </p:grpSpPr>
       <p:sp>
         <p:nvSpPr>
-          <p:cNvPr id="2" name="タイトル 1">
-            <a:extLst>
-              <a:ext uri="{FF2B5EF4-FFF2-40B4-BE49-F238E27FC236}">
-                <a16:creationId xmlns:a16="http://schemas.microsoft.com/office/drawing/2014/main" id="{EBE3B69D-849D-4D87-B297-AB9F4AC0BCCD}"/>
-              </a:ext>
-            </a:extLst>
-          </p:cNvPr>
+          <p:cNvPr id="2" name="Title 1"/>
           <p:cNvSpPr>
             <a:spLocks noGrp="1"/>
           </p:cNvSpPr>
@@ -1104,8 +1284,8 @@
         </p:nvSpPr>
         <p:spPr>
           <a:xfrm>
-            <a:off x="831850" y="1709738"/>
-            <a:ext cx="10515600" cy="2852737"/>
+            <a:off x="623888" y="1709739"/>
+            <a:ext cx="7886700" cy="2852737"/>
           </a:xfrm>
         </p:spPr>
         <p:txBody>
@@ -1117,21 +1297,16 @@
           </a:lstStyle>
           <a:p>
             <a:r>
-              <a:rPr kumimoji="1" lang="ja-JP" altLang="en-US"/>
+              <a:rPr lang="ja-JP" altLang="en-US"/>
               <a:t>マスター タイトルの書式設定</a:t>
             </a:r>
-          </a:p>
-        </p:txBody>
-      </p:sp>
-      <p:sp>
-        <p:nvSpPr>
-          <p:cNvPr id="3" name="テキスト プレースホルダー 2">
-            <a:extLst>
-              <a:ext uri="{FF2B5EF4-FFF2-40B4-BE49-F238E27FC236}">
-                <a16:creationId xmlns:a16="http://schemas.microsoft.com/office/drawing/2014/main" id="{F54D249C-5D07-4F43-A604-6FC8E4334B19}"/>
-              </a:ext>
-            </a:extLst>
-          </p:cNvPr>
+            <a:endParaRPr lang="en-US" dirty="0"/>
+          </a:p>
+        </p:txBody>
+      </p:sp>
+      <p:sp>
+        <p:nvSpPr>
+          <p:cNvPr id="3" name="Text Placeholder 2"/>
           <p:cNvSpPr>
             <a:spLocks noGrp="1"/>
           </p:cNvSpPr>
@@ -1141,8 +1316,8 @@
         </p:nvSpPr>
         <p:spPr>
           <a:xfrm>
-            <a:off x="831850" y="4589463"/>
-            <a:ext cx="10515600" cy="1500187"/>
+            <a:off x="623888" y="4589464"/>
+            <a:ext cx="7886700" cy="1500187"/>
           </a:xfrm>
         </p:spPr>
         <p:txBody>
@@ -1152,9 +1327,7 @@
               <a:buNone/>
               <a:defRPr sz="2400">
                 <a:solidFill>
-                  <a:schemeClr val="tx1">
-                    <a:tint val="75000"/>
-                  </a:schemeClr>
+                  <a:schemeClr val="tx1"/>
                 </a:solidFill>
               </a:defRPr>
             </a:lvl1pPr>
@@ -1242,7 +1415,7 @@
           <a:p>
             <a:pPr lvl="0"/>
             <a:r>
-              <a:rPr kumimoji="1" lang="ja-JP" altLang="en-US"/>
+              <a:rPr lang="ja-JP" altLang="en-US"/>
               <a:t>マスター テキストの書式設定</a:t>
             </a:r>
           </a:p>
@@ -1250,13 +1423,7 @@
       </p:sp>
       <p:sp>
         <p:nvSpPr>
-          <p:cNvPr id="4" name="日付プレースホルダー 3">
-            <a:extLst>
-              <a:ext uri="{FF2B5EF4-FFF2-40B4-BE49-F238E27FC236}">
-                <a16:creationId xmlns:a16="http://schemas.microsoft.com/office/drawing/2014/main" id="{56AC6E33-CCE0-4B33-8D3B-40072B463422}"/>
-              </a:ext>
-            </a:extLst>
-          </p:cNvPr>
+          <p:cNvPr id="4" name="Date Placeholder 3"/>
           <p:cNvSpPr>
             <a:spLocks noGrp="1"/>
           </p:cNvSpPr>
@@ -1279,13 +1446,7 @@
       </p:sp>
       <p:sp>
         <p:nvSpPr>
-          <p:cNvPr id="5" name="フッター プレースホルダー 4">
-            <a:extLst>
-              <a:ext uri="{FF2B5EF4-FFF2-40B4-BE49-F238E27FC236}">
-                <a16:creationId xmlns:a16="http://schemas.microsoft.com/office/drawing/2014/main" id="{32AD589B-3E59-4CBF-BBCF-C622C53243BA}"/>
-              </a:ext>
-            </a:extLst>
-          </p:cNvPr>
+          <p:cNvPr id="5" name="Footer Placeholder 4"/>
           <p:cNvSpPr>
             <a:spLocks noGrp="1"/>
           </p:cNvSpPr>
@@ -1304,13 +1465,7 @@
       </p:sp>
       <p:sp>
         <p:nvSpPr>
-          <p:cNvPr id="6" name="スライド番号プレースホルダー 5">
-            <a:extLst>
-              <a:ext uri="{FF2B5EF4-FFF2-40B4-BE49-F238E27FC236}">
-                <a16:creationId xmlns:a16="http://schemas.microsoft.com/office/drawing/2014/main" id="{0D96C3D7-8DE3-471B-A1C8-5DDF4D13B12F}"/>
-              </a:ext>
-            </a:extLst>
-          </p:cNvPr>
+          <p:cNvPr id="6" name="Slide Number Placeholder 5"/>
           <p:cNvSpPr>
             <a:spLocks noGrp="1"/>
           </p:cNvSpPr>
@@ -1334,7 +1489,7 @@
     </p:spTree>
     <p:extLst>
       <p:ext uri="{BB962C8B-B14F-4D97-AF65-F5344CB8AC3E}">
-        <p14:creationId xmlns:p14="http://schemas.microsoft.com/office/powerpoint/2010/main" val="2419594333"/>
+        <p14:creationId xmlns:p14="http://schemas.microsoft.com/office/powerpoint/2010/main" val="3314083371"/>
       </p:ext>
     </p:extLst>
   </p:cSld>
@@ -1363,13 +1518,7 @@
       </p:grpSpPr>
       <p:sp>
         <p:nvSpPr>
-          <p:cNvPr id="2" name="タイトル 1">
-            <a:extLst>
-              <a:ext uri="{FF2B5EF4-FFF2-40B4-BE49-F238E27FC236}">
-                <a16:creationId xmlns:a16="http://schemas.microsoft.com/office/drawing/2014/main" id="{5EBD504C-735C-403B-9D97-6F74B0E6A2FC}"/>
-              </a:ext>
-            </a:extLst>
-          </p:cNvPr>
+          <p:cNvPr id="2" name="Title 1"/>
           <p:cNvSpPr>
             <a:spLocks noGrp="1"/>
           </p:cNvSpPr>
@@ -1383,21 +1532,16 @@
           <a:lstStyle/>
           <a:p>
             <a:r>
-              <a:rPr kumimoji="1" lang="ja-JP" altLang="en-US"/>
+              <a:rPr lang="ja-JP" altLang="en-US"/>
               <a:t>マスター タイトルの書式設定</a:t>
             </a:r>
-          </a:p>
-        </p:txBody>
-      </p:sp>
-      <p:sp>
-        <p:nvSpPr>
-          <p:cNvPr id="3" name="コンテンツ プレースホルダー 2">
-            <a:extLst>
-              <a:ext uri="{FF2B5EF4-FFF2-40B4-BE49-F238E27FC236}">
-                <a16:creationId xmlns:a16="http://schemas.microsoft.com/office/drawing/2014/main" id="{A4471B42-8AC6-4F61-8E49-4885C47041BE}"/>
-              </a:ext>
-            </a:extLst>
-          </p:cNvPr>
+            <a:endParaRPr lang="en-US" dirty="0"/>
+          </a:p>
+        </p:txBody>
+      </p:sp>
+      <p:sp>
+        <p:nvSpPr>
+          <p:cNvPr id="3" name="Content Placeholder 2"/>
           <p:cNvSpPr>
             <a:spLocks noGrp="1"/>
           </p:cNvSpPr>
@@ -1407,8 +1551,8 @@
         </p:nvSpPr>
         <p:spPr>
           <a:xfrm>
-            <a:off x="838200" y="1825625"/>
-            <a:ext cx="5181600" cy="4351338"/>
+            <a:off x="628650" y="1825625"/>
+            <a:ext cx="3886200" cy="4351338"/>
           </a:xfrm>
         </p:spPr>
         <p:txBody>
@@ -1417,81 +1561,76 @@
           <a:p>
             <a:pPr lvl="0"/>
             <a:r>
-              <a:rPr kumimoji="1" lang="ja-JP" altLang="en-US"/>
+              <a:rPr lang="ja-JP" altLang="en-US"/>
               <a:t>マスター テキストの書式設定</a:t>
             </a:r>
           </a:p>
           <a:p>
             <a:pPr lvl="1"/>
             <a:r>
-              <a:rPr kumimoji="1" lang="ja-JP" altLang="en-US"/>
+              <a:rPr lang="ja-JP" altLang="en-US"/>
               <a:t>第 </a:t>
             </a:r>
             <a:r>
-              <a:rPr kumimoji="1" lang="en-US" altLang="ja-JP"/>
+              <a:rPr lang="en-US" altLang="ja-JP"/>
               <a:t>2 </a:t>
             </a:r>
             <a:r>
-              <a:rPr kumimoji="1" lang="ja-JP" altLang="en-US"/>
+              <a:rPr lang="ja-JP" altLang="en-US"/>
               <a:t>レベル</a:t>
             </a:r>
           </a:p>
           <a:p>
             <a:pPr lvl="2"/>
             <a:r>
-              <a:rPr kumimoji="1" lang="ja-JP" altLang="en-US"/>
+              <a:rPr lang="ja-JP" altLang="en-US"/>
               <a:t>第 </a:t>
             </a:r>
             <a:r>
-              <a:rPr kumimoji="1" lang="en-US" altLang="ja-JP"/>
+              <a:rPr lang="en-US" altLang="ja-JP"/>
               <a:t>3 </a:t>
             </a:r>
             <a:r>
-              <a:rPr kumimoji="1" lang="ja-JP" altLang="en-US"/>
+              <a:rPr lang="ja-JP" altLang="en-US"/>
               <a:t>レベル</a:t>
             </a:r>
           </a:p>
           <a:p>
             <a:pPr lvl="3"/>
             <a:r>
-              <a:rPr kumimoji="1" lang="ja-JP" altLang="en-US"/>
+              <a:rPr lang="ja-JP" altLang="en-US"/>
               <a:t>第 </a:t>
             </a:r>
             <a:r>
-              <a:rPr kumimoji="1" lang="en-US" altLang="ja-JP"/>
+              <a:rPr lang="en-US" altLang="ja-JP"/>
               <a:t>4 </a:t>
             </a:r>
             <a:r>
-              <a:rPr kumimoji="1" lang="ja-JP" altLang="en-US"/>
+              <a:rPr lang="ja-JP" altLang="en-US"/>
               <a:t>レベル</a:t>
             </a:r>
           </a:p>
           <a:p>
             <a:pPr lvl="4"/>
             <a:r>
-              <a:rPr kumimoji="1" lang="ja-JP" altLang="en-US"/>
+              <a:rPr lang="ja-JP" altLang="en-US"/>
               <a:t>第 </a:t>
             </a:r>
             <a:r>
-              <a:rPr kumimoji="1" lang="en-US" altLang="ja-JP"/>
+              <a:rPr lang="en-US" altLang="ja-JP"/>
               <a:t>5 </a:t>
             </a:r>
             <a:r>
-              <a:rPr kumimoji="1" lang="ja-JP" altLang="en-US"/>
+              <a:rPr lang="ja-JP" altLang="en-US"/>
               <a:t>レベル</a:t>
             </a:r>
-          </a:p>
-        </p:txBody>
-      </p:sp>
-      <p:sp>
-        <p:nvSpPr>
-          <p:cNvPr id="4" name="コンテンツ プレースホルダー 3">
-            <a:extLst>
-              <a:ext uri="{FF2B5EF4-FFF2-40B4-BE49-F238E27FC236}">
-                <a16:creationId xmlns:a16="http://schemas.microsoft.com/office/drawing/2014/main" id="{939DEB52-2080-45BF-AEC5-3F6F2989C8A9}"/>
-              </a:ext>
-            </a:extLst>
-          </p:cNvPr>
+            <a:endParaRPr lang="en-US" dirty="0"/>
+          </a:p>
+        </p:txBody>
+      </p:sp>
+      <p:sp>
+        <p:nvSpPr>
+          <p:cNvPr id="4" name="Content Placeholder 3"/>
           <p:cNvSpPr>
             <a:spLocks noGrp="1"/>
           </p:cNvSpPr>
@@ -1501,8 +1640,8 @@
         </p:nvSpPr>
         <p:spPr>
           <a:xfrm>
-            <a:off x="6172200" y="1825625"/>
-            <a:ext cx="5181600" cy="4351338"/>
+            <a:off x="4629150" y="1825625"/>
+            <a:ext cx="3886200" cy="4351338"/>
           </a:xfrm>
         </p:spPr>
         <p:txBody>
@@ -1511,81 +1650,76 @@
           <a:p>
             <a:pPr lvl="0"/>
             <a:r>
-              <a:rPr kumimoji="1" lang="ja-JP" altLang="en-US"/>
+              <a:rPr lang="ja-JP" altLang="en-US"/>
               <a:t>マスター テキストの書式設定</a:t>
             </a:r>
           </a:p>
           <a:p>
             <a:pPr lvl="1"/>
             <a:r>
-              <a:rPr kumimoji="1" lang="ja-JP" altLang="en-US"/>
+              <a:rPr lang="ja-JP" altLang="en-US"/>
               <a:t>第 </a:t>
             </a:r>
             <a:r>
-              <a:rPr kumimoji="1" lang="en-US" altLang="ja-JP"/>
+              <a:rPr lang="en-US" altLang="ja-JP"/>
               <a:t>2 </a:t>
             </a:r>
             <a:r>
-              <a:rPr kumimoji="1" lang="ja-JP" altLang="en-US"/>
+              <a:rPr lang="ja-JP" altLang="en-US"/>
               <a:t>レベル</a:t>
             </a:r>
           </a:p>
           <a:p>
             <a:pPr lvl="2"/>
             <a:r>
-              <a:rPr kumimoji="1" lang="ja-JP" altLang="en-US"/>
+              <a:rPr lang="ja-JP" altLang="en-US"/>
               <a:t>第 </a:t>
             </a:r>
             <a:r>
-              <a:rPr kumimoji="1" lang="en-US" altLang="ja-JP"/>
+              <a:rPr lang="en-US" altLang="ja-JP"/>
               <a:t>3 </a:t>
             </a:r>
             <a:r>
-              <a:rPr kumimoji="1" lang="ja-JP" altLang="en-US"/>
+              <a:rPr lang="ja-JP" altLang="en-US"/>
               <a:t>レベル</a:t>
             </a:r>
           </a:p>
           <a:p>
             <a:pPr lvl="3"/>
             <a:r>
-              <a:rPr kumimoji="1" lang="ja-JP" altLang="en-US"/>
+              <a:rPr lang="ja-JP" altLang="en-US"/>
               <a:t>第 </a:t>
             </a:r>
             <a:r>
-              <a:rPr kumimoji="1" lang="en-US" altLang="ja-JP"/>
+              <a:rPr lang="en-US" altLang="ja-JP"/>
               <a:t>4 </a:t>
             </a:r>
             <a:r>
-              <a:rPr kumimoji="1" lang="ja-JP" altLang="en-US"/>
+              <a:rPr lang="ja-JP" altLang="en-US"/>
               <a:t>レベル</a:t>
             </a:r>
           </a:p>
           <a:p>
             <a:pPr lvl="4"/>
             <a:r>
-              <a:rPr kumimoji="1" lang="ja-JP" altLang="en-US"/>
+              <a:rPr lang="ja-JP" altLang="en-US"/>
               <a:t>第 </a:t>
             </a:r>
             <a:r>
-              <a:rPr kumimoji="1" lang="en-US" altLang="ja-JP"/>
+              <a:rPr lang="en-US" altLang="ja-JP"/>
               <a:t>5 </a:t>
             </a:r>
             <a:r>
-              <a:rPr kumimoji="1" lang="ja-JP" altLang="en-US"/>
+              <a:rPr lang="ja-JP" altLang="en-US"/>
               <a:t>レベル</a:t>
             </a:r>
-          </a:p>
-        </p:txBody>
-      </p:sp>
-      <p:sp>
-        <p:nvSpPr>
-          <p:cNvPr id="5" name="日付プレースホルダー 4">
-            <a:extLst>
-              <a:ext uri="{FF2B5EF4-FFF2-40B4-BE49-F238E27FC236}">
-                <a16:creationId xmlns:a16="http://schemas.microsoft.com/office/drawing/2014/main" id="{13058301-B5FA-4D7D-B5DA-DCC96146725F}"/>
-              </a:ext>
-            </a:extLst>
-          </p:cNvPr>
+            <a:endParaRPr lang="en-US" dirty="0"/>
+          </a:p>
+        </p:txBody>
+      </p:sp>
+      <p:sp>
+        <p:nvSpPr>
+          <p:cNvPr id="5" name="Date Placeholder 4"/>
           <p:cNvSpPr>
             <a:spLocks noGrp="1"/>
           </p:cNvSpPr>
@@ -1608,13 +1742,7 @@
       </p:sp>
       <p:sp>
         <p:nvSpPr>
-          <p:cNvPr id="6" name="フッター プレースホルダー 5">
-            <a:extLst>
-              <a:ext uri="{FF2B5EF4-FFF2-40B4-BE49-F238E27FC236}">
-                <a16:creationId xmlns:a16="http://schemas.microsoft.com/office/drawing/2014/main" id="{969572D3-340C-4623-AD59-9E73FDEFB0D5}"/>
-              </a:ext>
-            </a:extLst>
-          </p:cNvPr>
+          <p:cNvPr id="6" name="Footer Placeholder 5"/>
           <p:cNvSpPr>
             <a:spLocks noGrp="1"/>
           </p:cNvSpPr>
@@ -1633,13 +1761,7 @@
       </p:sp>
       <p:sp>
         <p:nvSpPr>
-          <p:cNvPr id="7" name="スライド番号プレースホルダー 6">
-            <a:extLst>
-              <a:ext uri="{FF2B5EF4-FFF2-40B4-BE49-F238E27FC236}">
-                <a16:creationId xmlns:a16="http://schemas.microsoft.com/office/drawing/2014/main" id="{EA0E92BA-03B4-40DB-B89B-61F29F8AB9B4}"/>
-              </a:ext>
-            </a:extLst>
-          </p:cNvPr>
+          <p:cNvPr id="7" name="Slide Number Placeholder 6"/>
           <p:cNvSpPr>
             <a:spLocks noGrp="1"/>
           </p:cNvSpPr>
@@ -1663,7 +1785,7 @@
     </p:spTree>
     <p:extLst>
       <p:ext uri="{BB962C8B-B14F-4D97-AF65-F5344CB8AC3E}">
-        <p14:creationId xmlns:p14="http://schemas.microsoft.com/office/powerpoint/2010/main" val="971871719"/>
+        <p14:creationId xmlns:p14="http://schemas.microsoft.com/office/powerpoint/2010/main" val="125763518"/>
       </p:ext>
     </p:extLst>
   </p:cSld>
@@ -1692,13 +1814,7 @@
       </p:grpSpPr>
       <p:sp>
         <p:nvSpPr>
-          <p:cNvPr id="2" name="タイトル 1">
-            <a:extLst>
-              <a:ext uri="{FF2B5EF4-FFF2-40B4-BE49-F238E27FC236}">
-                <a16:creationId xmlns:a16="http://schemas.microsoft.com/office/drawing/2014/main" id="{EE1EEE1B-31B5-4DD7-ACEE-49244298CF72}"/>
-              </a:ext>
-            </a:extLst>
-          </p:cNvPr>
+          <p:cNvPr id="2" name="Title 1"/>
           <p:cNvSpPr>
             <a:spLocks noGrp="1"/>
           </p:cNvSpPr>
@@ -1708,8 +1824,8 @@
         </p:nvSpPr>
         <p:spPr>
           <a:xfrm>
-            <a:off x="839788" y="365125"/>
-            <a:ext cx="10515600" cy="1325563"/>
+            <a:off x="629841" y="365126"/>
+            <a:ext cx="7886700" cy="1325563"/>
           </a:xfrm>
         </p:spPr>
         <p:txBody>
@@ -1717,21 +1833,16 @@
           <a:lstStyle/>
           <a:p>
             <a:r>
-              <a:rPr kumimoji="1" lang="ja-JP" altLang="en-US"/>
+              <a:rPr lang="ja-JP" altLang="en-US"/>
               <a:t>マスター タイトルの書式設定</a:t>
             </a:r>
-          </a:p>
-        </p:txBody>
-      </p:sp>
-      <p:sp>
-        <p:nvSpPr>
-          <p:cNvPr id="3" name="テキスト プレースホルダー 2">
-            <a:extLst>
-              <a:ext uri="{FF2B5EF4-FFF2-40B4-BE49-F238E27FC236}">
-                <a16:creationId xmlns:a16="http://schemas.microsoft.com/office/drawing/2014/main" id="{4B9678C0-17DD-404B-B4A2-730CDEBEF64A}"/>
-              </a:ext>
-            </a:extLst>
-          </p:cNvPr>
+            <a:endParaRPr lang="en-US" dirty="0"/>
+          </a:p>
+        </p:txBody>
+      </p:sp>
+      <p:sp>
+        <p:nvSpPr>
+          <p:cNvPr id="3" name="Text Placeholder 2"/>
           <p:cNvSpPr>
             <a:spLocks noGrp="1"/>
           </p:cNvSpPr>
@@ -1741,8 +1852,8 @@
         </p:nvSpPr>
         <p:spPr>
           <a:xfrm>
-            <a:off x="839788" y="1681163"/>
-            <a:ext cx="5157787" cy="823912"/>
+            <a:off x="629842" y="1681163"/>
+            <a:ext cx="3868340" cy="823912"/>
           </a:xfrm>
         </p:spPr>
         <p:txBody>
@@ -1788,7 +1899,7 @@
           <a:p>
             <a:pPr lvl="0"/>
             <a:r>
-              <a:rPr kumimoji="1" lang="ja-JP" altLang="en-US"/>
+              <a:rPr lang="ja-JP" altLang="en-US"/>
               <a:t>マスター テキストの書式設定</a:t>
             </a:r>
           </a:p>
@@ -1796,13 +1907,7 @@
       </p:sp>
       <p:sp>
         <p:nvSpPr>
-          <p:cNvPr id="4" name="コンテンツ プレースホルダー 3">
-            <a:extLst>
-              <a:ext uri="{FF2B5EF4-FFF2-40B4-BE49-F238E27FC236}">
-                <a16:creationId xmlns:a16="http://schemas.microsoft.com/office/drawing/2014/main" id="{51FDB11E-1FDD-494C-9B85-03202AD4757B}"/>
-              </a:ext>
-            </a:extLst>
-          </p:cNvPr>
+          <p:cNvPr id="4" name="Content Placeholder 3"/>
           <p:cNvSpPr>
             <a:spLocks noGrp="1"/>
           </p:cNvSpPr>
@@ -1812,8 +1917,8 @@
         </p:nvSpPr>
         <p:spPr>
           <a:xfrm>
-            <a:off x="839788" y="2505075"/>
-            <a:ext cx="5157787" cy="3684588"/>
+            <a:off x="629842" y="2505075"/>
+            <a:ext cx="3868340" cy="3684588"/>
           </a:xfrm>
         </p:spPr>
         <p:txBody>
@@ -1822,81 +1927,76 @@
           <a:p>
             <a:pPr lvl="0"/>
             <a:r>
-              <a:rPr kumimoji="1" lang="ja-JP" altLang="en-US"/>
+              <a:rPr lang="ja-JP" altLang="en-US"/>
               <a:t>マスター テキストの書式設定</a:t>
             </a:r>
           </a:p>
           <a:p>
             <a:pPr lvl="1"/>
             <a:r>
-              <a:rPr kumimoji="1" lang="ja-JP" altLang="en-US"/>
+              <a:rPr lang="ja-JP" altLang="en-US"/>
               <a:t>第 </a:t>
             </a:r>
             <a:r>
-              <a:rPr kumimoji="1" lang="en-US" altLang="ja-JP"/>
+              <a:rPr lang="en-US" altLang="ja-JP"/>
               <a:t>2 </a:t>
             </a:r>
             <a:r>
-              <a:rPr kumimoji="1" lang="ja-JP" altLang="en-US"/>
+              <a:rPr lang="ja-JP" altLang="en-US"/>
               <a:t>レベル</a:t>
             </a:r>
           </a:p>
           <a:p>
             <a:pPr lvl="2"/>
             <a:r>
-              <a:rPr kumimoji="1" lang="ja-JP" altLang="en-US"/>
+              <a:rPr lang="ja-JP" altLang="en-US"/>
               <a:t>第 </a:t>
             </a:r>
             <a:r>
-              <a:rPr kumimoji="1" lang="en-US" altLang="ja-JP"/>
+              <a:rPr lang="en-US" altLang="ja-JP"/>
               <a:t>3 </a:t>
             </a:r>
             <a:r>
-              <a:rPr kumimoji="1" lang="ja-JP" altLang="en-US"/>
+              <a:rPr lang="ja-JP" altLang="en-US"/>
               <a:t>レベル</a:t>
             </a:r>
           </a:p>
           <a:p>
             <a:pPr lvl="3"/>
             <a:r>
-              <a:rPr kumimoji="1" lang="ja-JP" altLang="en-US"/>
+              <a:rPr lang="ja-JP" altLang="en-US"/>
               <a:t>第 </a:t>
             </a:r>
             <a:r>
-              <a:rPr kumimoji="1" lang="en-US" altLang="ja-JP"/>
+              <a:rPr lang="en-US" altLang="ja-JP"/>
               <a:t>4 </a:t>
             </a:r>
             <a:r>
-              <a:rPr kumimoji="1" lang="ja-JP" altLang="en-US"/>
+              <a:rPr lang="ja-JP" altLang="en-US"/>
               <a:t>レベル</a:t>
             </a:r>
           </a:p>
           <a:p>
             <a:pPr lvl="4"/>
             <a:r>
-              <a:rPr kumimoji="1" lang="ja-JP" altLang="en-US"/>
+              <a:rPr lang="ja-JP" altLang="en-US"/>
               <a:t>第 </a:t>
             </a:r>
             <a:r>
-              <a:rPr kumimoji="1" lang="en-US" altLang="ja-JP"/>
+              <a:rPr lang="en-US" altLang="ja-JP"/>
               <a:t>5 </a:t>
             </a:r>
             <a:r>
-              <a:rPr kumimoji="1" lang="ja-JP" altLang="en-US"/>
+              <a:rPr lang="ja-JP" altLang="en-US"/>
               <a:t>レベル</a:t>
             </a:r>
-          </a:p>
-        </p:txBody>
-      </p:sp>
-      <p:sp>
-        <p:nvSpPr>
-          <p:cNvPr id="5" name="テキスト プレースホルダー 4">
-            <a:extLst>
-              <a:ext uri="{FF2B5EF4-FFF2-40B4-BE49-F238E27FC236}">
-                <a16:creationId xmlns:a16="http://schemas.microsoft.com/office/drawing/2014/main" id="{AB7B7F72-69FB-4736-8B93-820A3D08B041}"/>
-              </a:ext>
-            </a:extLst>
-          </p:cNvPr>
+            <a:endParaRPr lang="en-US" dirty="0"/>
+          </a:p>
+        </p:txBody>
+      </p:sp>
+      <p:sp>
+        <p:nvSpPr>
+          <p:cNvPr id="5" name="Text Placeholder 4"/>
           <p:cNvSpPr>
             <a:spLocks noGrp="1"/>
           </p:cNvSpPr>
@@ -1906,8 +2006,8 @@
         </p:nvSpPr>
         <p:spPr>
           <a:xfrm>
-            <a:off x="6172200" y="1681163"/>
-            <a:ext cx="5183188" cy="823912"/>
+            <a:off x="4629150" y="1681163"/>
+            <a:ext cx="3887391" cy="823912"/>
           </a:xfrm>
         </p:spPr>
         <p:txBody>
@@ -1953,7 +2053,7 @@
           <a:p>
             <a:pPr lvl="0"/>
             <a:r>
-              <a:rPr kumimoji="1" lang="ja-JP" altLang="en-US"/>
+              <a:rPr lang="ja-JP" altLang="en-US"/>
               <a:t>マスター テキストの書式設定</a:t>
             </a:r>
           </a:p>
@@ -1961,13 +2061,7 @@
       </p:sp>
       <p:sp>
         <p:nvSpPr>
-          <p:cNvPr id="6" name="コンテンツ プレースホルダー 5">
-            <a:extLst>
-              <a:ext uri="{FF2B5EF4-FFF2-40B4-BE49-F238E27FC236}">
-                <a16:creationId xmlns:a16="http://schemas.microsoft.com/office/drawing/2014/main" id="{C940F46C-97B1-43D3-94EF-754A90713554}"/>
-              </a:ext>
-            </a:extLst>
-          </p:cNvPr>
+          <p:cNvPr id="6" name="Content Placeholder 5"/>
           <p:cNvSpPr>
             <a:spLocks noGrp="1"/>
           </p:cNvSpPr>
@@ -1977,8 +2071,8 @@
         </p:nvSpPr>
         <p:spPr>
           <a:xfrm>
-            <a:off x="6172200" y="2505075"/>
-            <a:ext cx="5183188" cy="3684588"/>
+            <a:off x="4629150" y="2505075"/>
+            <a:ext cx="3887391" cy="3684588"/>
           </a:xfrm>
         </p:spPr>
         <p:txBody>
@@ -1987,81 +2081,76 @@
           <a:p>
             <a:pPr lvl="0"/>
             <a:r>
-              <a:rPr kumimoji="1" lang="ja-JP" altLang="en-US"/>
+              <a:rPr lang="ja-JP" altLang="en-US"/>
               <a:t>マスター テキストの書式設定</a:t>
             </a:r>
           </a:p>
           <a:p>
             <a:pPr lvl="1"/>
             <a:r>
-              <a:rPr kumimoji="1" lang="ja-JP" altLang="en-US"/>
+              <a:rPr lang="ja-JP" altLang="en-US"/>
               <a:t>第 </a:t>
             </a:r>
             <a:r>
-              <a:rPr kumimoji="1" lang="en-US" altLang="ja-JP"/>
+              <a:rPr lang="en-US" altLang="ja-JP"/>
               <a:t>2 </a:t>
             </a:r>
             <a:r>
-              <a:rPr kumimoji="1" lang="ja-JP" altLang="en-US"/>
+              <a:rPr lang="ja-JP" altLang="en-US"/>
               <a:t>レベル</a:t>
             </a:r>
           </a:p>
           <a:p>
             <a:pPr lvl="2"/>
             <a:r>
-              <a:rPr kumimoji="1" lang="ja-JP" altLang="en-US"/>
+              <a:rPr lang="ja-JP" altLang="en-US"/>
               <a:t>第 </a:t>
             </a:r>
             <a:r>
-              <a:rPr kumimoji="1" lang="en-US" altLang="ja-JP"/>
+              <a:rPr lang="en-US" altLang="ja-JP"/>
               <a:t>3 </a:t>
             </a:r>
             <a:r>
-              <a:rPr kumimoji="1" lang="ja-JP" altLang="en-US"/>
+              <a:rPr lang="ja-JP" altLang="en-US"/>
               <a:t>レベル</a:t>
             </a:r>
           </a:p>
           <a:p>
             <a:pPr lvl="3"/>
             <a:r>
-              <a:rPr kumimoji="1" lang="ja-JP" altLang="en-US"/>
+              <a:rPr lang="ja-JP" altLang="en-US"/>
               <a:t>第 </a:t>
             </a:r>
             <a:r>
-              <a:rPr kumimoji="1" lang="en-US" altLang="ja-JP"/>
+              <a:rPr lang="en-US" altLang="ja-JP"/>
               <a:t>4 </a:t>
             </a:r>
             <a:r>
-              <a:rPr kumimoji="1" lang="ja-JP" altLang="en-US"/>
+              <a:rPr lang="ja-JP" altLang="en-US"/>
               <a:t>レベル</a:t>
             </a:r>
           </a:p>
           <a:p>
             <a:pPr lvl="4"/>
             <a:r>
-              <a:rPr kumimoji="1" lang="ja-JP" altLang="en-US"/>
+              <a:rPr lang="ja-JP" altLang="en-US"/>
               <a:t>第 </a:t>
             </a:r>
             <a:r>
-              <a:rPr kumimoji="1" lang="en-US" altLang="ja-JP"/>
+              <a:rPr lang="en-US" altLang="ja-JP"/>
               <a:t>5 </a:t>
             </a:r>
             <a:r>
-              <a:rPr kumimoji="1" lang="ja-JP" altLang="en-US"/>
+              <a:rPr lang="ja-JP" altLang="en-US"/>
               <a:t>レベル</a:t>
             </a:r>
-          </a:p>
-        </p:txBody>
-      </p:sp>
-      <p:sp>
-        <p:nvSpPr>
-          <p:cNvPr id="7" name="日付プレースホルダー 6">
-            <a:extLst>
-              <a:ext uri="{FF2B5EF4-FFF2-40B4-BE49-F238E27FC236}">
-                <a16:creationId xmlns:a16="http://schemas.microsoft.com/office/drawing/2014/main" id="{BA8B07DD-6BC5-4205-A8FB-EA6B01EDA8BE}"/>
-              </a:ext>
-            </a:extLst>
-          </p:cNvPr>
+            <a:endParaRPr lang="en-US" dirty="0"/>
+          </a:p>
+        </p:txBody>
+      </p:sp>
+      <p:sp>
+        <p:nvSpPr>
+          <p:cNvPr id="7" name="Date Placeholder 6"/>
           <p:cNvSpPr>
             <a:spLocks noGrp="1"/>
           </p:cNvSpPr>
@@ -2084,13 +2173,7 @@
       </p:sp>
       <p:sp>
         <p:nvSpPr>
-          <p:cNvPr id="8" name="フッター プレースホルダー 7">
-            <a:extLst>
-              <a:ext uri="{FF2B5EF4-FFF2-40B4-BE49-F238E27FC236}">
-                <a16:creationId xmlns:a16="http://schemas.microsoft.com/office/drawing/2014/main" id="{1DB955C1-AC16-4CDD-B508-7DAE05B81305}"/>
-              </a:ext>
-            </a:extLst>
-          </p:cNvPr>
+          <p:cNvPr id="8" name="Footer Placeholder 7"/>
           <p:cNvSpPr>
             <a:spLocks noGrp="1"/>
           </p:cNvSpPr>
@@ -2109,13 +2192,7 @@
       </p:sp>
       <p:sp>
         <p:nvSpPr>
-          <p:cNvPr id="9" name="スライド番号プレースホルダー 8">
-            <a:extLst>
-              <a:ext uri="{FF2B5EF4-FFF2-40B4-BE49-F238E27FC236}">
-                <a16:creationId xmlns:a16="http://schemas.microsoft.com/office/drawing/2014/main" id="{6EC2F192-ACB8-44FB-98D9-96899630CB82}"/>
-              </a:ext>
-            </a:extLst>
-          </p:cNvPr>
+          <p:cNvPr id="9" name="Slide Number Placeholder 8"/>
           <p:cNvSpPr>
             <a:spLocks noGrp="1"/>
           </p:cNvSpPr>
@@ -2139,7 +2216,7 @@
     </p:spTree>
     <p:extLst>
       <p:ext uri="{BB962C8B-B14F-4D97-AF65-F5344CB8AC3E}">
-        <p14:creationId xmlns:p14="http://schemas.microsoft.com/office/powerpoint/2010/main" val="3182710229"/>
+        <p14:creationId xmlns:p14="http://schemas.microsoft.com/office/powerpoint/2010/main" val="1083292056"/>
       </p:ext>
     </p:extLst>
   </p:cSld>
@@ -2168,13 +2245,7 @@
       </p:grpSpPr>
       <p:sp>
         <p:nvSpPr>
-          <p:cNvPr id="2" name="タイトル 1">
-            <a:extLst>
-              <a:ext uri="{FF2B5EF4-FFF2-40B4-BE49-F238E27FC236}">
-                <a16:creationId xmlns:a16="http://schemas.microsoft.com/office/drawing/2014/main" id="{82908268-9656-41CD-A7BA-838728BD5C18}"/>
-              </a:ext>
-            </a:extLst>
-          </p:cNvPr>
+          <p:cNvPr id="2" name="Title 1"/>
           <p:cNvSpPr>
             <a:spLocks noGrp="1"/>
           </p:cNvSpPr>
@@ -2188,21 +2259,16 @@
           <a:lstStyle/>
           <a:p>
             <a:r>
-              <a:rPr kumimoji="1" lang="ja-JP" altLang="en-US"/>
+              <a:rPr lang="ja-JP" altLang="en-US"/>
               <a:t>マスター タイトルの書式設定</a:t>
             </a:r>
-          </a:p>
-        </p:txBody>
-      </p:sp>
-      <p:sp>
-        <p:nvSpPr>
-          <p:cNvPr id="3" name="日付プレースホルダー 2">
-            <a:extLst>
-              <a:ext uri="{FF2B5EF4-FFF2-40B4-BE49-F238E27FC236}">
-                <a16:creationId xmlns:a16="http://schemas.microsoft.com/office/drawing/2014/main" id="{3E85E940-063F-44DA-947B-3FDCC773B18A}"/>
-              </a:ext>
-            </a:extLst>
-          </p:cNvPr>
+            <a:endParaRPr lang="en-US" dirty="0"/>
+          </a:p>
+        </p:txBody>
+      </p:sp>
+      <p:sp>
+        <p:nvSpPr>
+          <p:cNvPr id="3" name="Date Placeholder 2"/>
           <p:cNvSpPr>
             <a:spLocks noGrp="1"/>
           </p:cNvSpPr>
@@ -2225,13 +2291,7 @@
       </p:sp>
       <p:sp>
         <p:nvSpPr>
-          <p:cNvPr id="4" name="フッター プレースホルダー 3">
-            <a:extLst>
-              <a:ext uri="{FF2B5EF4-FFF2-40B4-BE49-F238E27FC236}">
-                <a16:creationId xmlns:a16="http://schemas.microsoft.com/office/drawing/2014/main" id="{C4B285D8-5578-472E-953C-74FFC22C33E7}"/>
-              </a:ext>
-            </a:extLst>
-          </p:cNvPr>
+          <p:cNvPr id="4" name="Footer Placeholder 3"/>
           <p:cNvSpPr>
             <a:spLocks noGrp="1"/>
           </p:cNvSpPr>
@@ -2250,13 +2310,7 @@
       </p:sp>
       <p:sp>
         <p:nvSpPr>
-          <p:cNvPr id="5" name="スライド番号プレースホルダー 4">
-            <a:extLst>
-              <a:ext uri="{FF2B5EF4-FFF2-40B4-BE49-F238E27FC236}">
-                <a16:creationId xmlns:a16="http://schemas.microsoft.com/office/drawing/2014/main" id="{271E64CC-B7BA-4B07-8B29-9767ACBB4E13}"/>
-              </a:ext>
-            </a:extLst>
-          </p:cNvPr>
+          <p:cNvPr id="5" name="Slide Number Placeholder 4"/>
           <p:cNvSpPr>
             <a:spLocks noGrp="1"/>
           </p:cNvSpPr>
@@ -2280,7 +2334,7 @@
     </p:spTree>
     <p:extLst>
       <p:ext uri="{BB962C8B-B14F-4D97-AF65-F5344CB8AC3E}">
-        <p14:creationId xmlns:p14="http://schemas.microsoft.com/office/powerpoint/2010/main" val="3888996901"/>
+        <p14:creationId xmlns:p14="http://schemas.microsoft.com/office/powerpoint/2010/main" val="167890596"/>
       </p:ext>
     </p:extLst>
   </p:cSld>
@@ -2309,13 +2363,7 @@
       </p:grpSpPr>
       <p:sp>
         <p:nvSpPr>
-          <p:cNvPr id="2" name="日付プレースホルダー 1">
-            <a:extLst>
-              <a:ext uri="{FF2B5EF4-FFF2-40B4-BE49-F238E27FC236}">
-                <a16:creationId xmlns:a16="http://schemas.microsoft.com/office/drawing/2014/main" id="{5DFF277B-640D-4752-B9E4-81A2E3F3295B}"/>
-              </a:ext>
-            </a:extLst>
-          </p:cNvPr>
+          <p:cNvPr id="2" name="Date Placeholder 1"/>
           <p:cNvSpPr>
             <a:spLocks noGrp="1"/>
           </p:cNvSpPr>
@@ -2338,13 +2386,7 @@
       </p:sp>
       <p:sp>
         <p:nvSpPr>
-          <p:cNvPr id="3" name="フッター プレースホルダー 2">
-            <a:extLst>
-              <a:ext uri="{FF2B5EF4-FFF2-40B4-BE49-F238E27FC236}">
-                <a16:creationId xmlns:a16="http://schemas.microsoft.com/office/drawing/2014/main" id="{D7A8BCA4-2461-4F7E-8F90-35104789E013}"/>
-              </a:ext>
-            </a:extLst>
-          </p:cNvPr>
+          <p:cNvPr id="3" name="Footer Placeholder 2"/>
           <p:cNvSpPr>
             <a:spLocks noGrp="1"/>
           </p:cNvSpPr>
@@ -2363,13 +2405,7 @@
       </p:sp>
       <p:sp>
         <p:nvSpPr>
-          <p:cNvPr id="4" name="スライド番号プレースホルダー 3">
-            <a:extLst>
-              <a:ext uri="{FF2B5EF4-FFF2-40B4-BE49-F238E27FC236}">
-                <a16:creationId xmlns:a16="http://schemas.microsoft.com/office/drawing/2014/main" id="{CE4AB78B-FC7E-4D9F-A5EB-7BFE70680C78}"/>
-              </a:ext>
-            </a:extLst>
-          </p:cNvPr>
+          <p:cNvPr id="4" name="Slide Number Placeholder 3"/>
           <p:cNvSpPr>
             <a:spLocks noGrp="1"/>
           </p:cNvSpPr>
@@ -2393,7 +2429,7 @@
     </p:spTree>
     <p:extLst>
       <p:ext uri="{BB962C8B-B14F-4D97-AF65-F5344CB8AC3E}">
-        <p14:creationId xmlns:p14="http://schemas.microsoft.com/office/powerpoint/2010/main" val="879040406"/>
+        <p14:creationId xmlns:p14="http://schemas.microsoft.com/office/powerpoint/2010/main" val="484533831"/>
       </p:ext>
     </p:extLst>
   </p:cSld>
@@ -2422,13 +2458,7 @@
       </p:grpSpPr>
       <p:sp>
         <p:nvSpPr>
-          <p:cNvPr id="2" name="タイトル 1">
-            <a:extLst>
-              <a:ext uri="{FF2B5EF4-FFF2-40B4-BE49-F238E27FC236}">
-                <a16:creationId xmlns:a16="http://schemas.microsoft.com/office/drawing/2014/main" id="{A9DB8A4A-66BA-4E06-8A9A-51DE85F681D1}"/>
-              </a:ext>
-            </a:extLst>
-          </p:cNvPr>
+          <p:cNvPr id="2" name="Title 1"/>
           <p:cNvSpPr>
             <a:spLocks noGrp="1"/>
           </p:cNvSpPr>
@@ -2438,8 +2468,8 @@
         </p:nvSpPr>
         <p:spPr>
           <a:xfrm>
-            <a:off x="839788" y="457200"/>
-            <a:ext cx="3932237" cy="1600200"/>
+            <a:off x="629841" y="457200"/>
+            <a:ext cx="2949178" cy="1600200"/>
           </a:xfrm>
         </p:spPr>
         <p:txBody>
@@ -2451,21 +2481,16 @@
           </a:lstStyle>
           <a:p>
             <a:r>
-              <a:rPr kumimoji="1" lang="ja-JP" altLang="en-US"/>
+              <a:rPr lang="ja-JP" altLang="en-US"/>
               <a:t>マスター タイトルの書式設定</a:t>
             </a:r>
-          </a:p>
-        </p:txBody>
-      </p:sp>
-      <p:sp>
-        <p:nvSpPr>
-          <p:cNvPr id="3" name="コンテンツ プレースホルダー 2">
-            <a:extLst>
-              <a:ext uri="{FF2B5EF4-FFF2-40B4-BE49-F238E27FC236}">
-                <a16:creationId xmlns:a16="http://schemas.microsoft.com/office/drawing/2014/main" id="{019CF191-6180-493E-984F-E665CB301CAA}"/>
-              </a:ext>
-            </a:extLst>
-          </p:cNvPr>
+            <a:endParaRPr lang="en-US" dirty="0"/>
+          </a:p>
+        </p:txBody>
+      </p:sp>
+      <p:sp>
+        <p:nvSpPr>
+          <p:cNvPr id="3" name="Content Placeholder 2"/>
           <p:cNvSpPr>
             <a:spLocks noGrp="1"/>
           </p:cNvSpPr>
@@ -2475,8 +2500,8 @@
         </p:nvSpPr>
         <p:spPr>
           <a:xfrm>
-            <a:off x="5183188" y="987425"/>
-            <a:ext cx="6172200" cy="4873625"/>
+            <a:off x="3887391" y="987426"/>
+            <a:ext cx="4629150" cy="4873625"/>
           </a:xfrm>
         </p:spPr>
         <p:txBody>
@@ -2513,81 +2538,76 @@
           <a:p>
             <a:pPr lvl="0"/>
             <a:r>
-              <a:rPr kumimoji="1" lang="ja-JP" altLang="en-US"/>
+              <a:rPr lang="ja-JP" altLang="en-US"/>
               <a:t>マスター テキストの書式設定</a:t>
             </a:r>
           </a:p>
           <a:p>
             <a:pPr lvl="1"/>
             <a:r>
-              <a:rPr kumimoji="1" lang="ja-JP" altLang="en-US"/>
+              <a:rPr lang="ja-JP" altLang="en-US"/>
               <a:t>第 </a:t>
             </a:r>
             <a:r>
-              <a:rPr kumimoji="1" lang="en-US" altLang="ja-JP"/>
+              <a:rPr lang="en-US" altLang="ja-JP"/>
               <a:t>2 </a:t>
             </a:r>
             <a:r>
-              <a:rPr kumimoji="1" lang="ja-JP" altLang="en-US"/>
+              <a:rPr lang="ja-JP" altLang="en-US"/>
               <a:t>レベル</a:t>
             </a:r>
           </a:p>
           <a:p>
             <a:pPr lvl="2"/>
             <a:r>
-              <a:rPr kumimoji="1" lang="ja-JP" altLang="en-US"/>
+              <a:rPr lang="ja-JP" altLang="en-US"/>
               <a:t>第 </a:t>
             </a:r>
             <a:r>
-              <a:rPr kumimoji="1" lang="en-US" altLang="ja-JP"/>
+              <a:rPr lang="en-US" altLang="ja-JP"/>
               <a:t>3 </a:t>
             </a:r>
             <a:r>
-              <a:rPr kumimoji="1" lang="ja-JP" altLang="en-US"/>
+              <a:rPr lang="ja-JP" altLang="en-US"/>
               <a:t>レベル</a:t>
             </a:r>
           </a:p>
           <a:p>
             <a:pPr lvl="3"/>
             <a:r>
-              <a:rPr kumimoji="1" lang="ja-JP" altLang="en-US"/>
+              <a:rPr lang="ja-JP" altLang="en-US"/>
               <a:t>第 </a:t>
             </a:r>
             <a:r>
-              <a:rPr kumimoji="1" lang="en-US" altLang="ja-JP"/>
+              <a:rPr lang="en-US" altLang="ja-JP"/>
               <a:t>4 </a:t>
             </a:r>
             <a:r>
-              <a:rPr kumimoji="1" lang="ja-JP" altLang="en-US"/>
+              <a:rPr lang="ja-JP" altLang="en-US"/>
               <a:t>レベル</a:t>
             </a:r>
           </a:p>
           <a:p>
             <a:pPr lvl="4"/>
             <a:r>
-              <a:rPr kumimoji="1" lang="ja-JP" altLang="en-US"/>
+              <a:rPr lang="ja-JP" altLang="en-US"/>
               <a:t>第 </a:t>
             </a:r>
             <a:r>
-              <a:rPr kumimoji="1" lang="en-US" altLang="ja-JP"/>
+              <a:rPr lang="en-US" altLang="ja-JP"/>
               <a:t>5 </a:t>
             </a:r>
             <a:r>
-              <a:rPr kumimoji="1" lang="ja-JP" altLang="en-US"/>
+              <a:rPr lang="ja-JP" altLang="en-US"/>
               <a:t>レベル</a:t>
             </a:r>
-          </a:p>
-        </p:txBody>
-      </p:sp>
-      <p:sp>
-        <p:nvSpPr>
-          <p:cNvPr id="4" name="テキスト プレースホルダー 3">
-            <a:extLst>
-              <a:ext uri="{FF2B5EF4-FFF2-40B4-BE49-F238E27FC236}">
-                <a16:creationId xmlns:a16="http://schemas.microsoft.com/office/drawing/2014/main" id="{17480BEA-AE5D-4451-846C-44DDF51DDFC2}"/>
-              </a:ext>
-            </a:extLst>
-          </p:cNvPr>
+            <a:endParaRPr lang="en-US" dirty="0"/>
+          </a:p>
+        </p:txBody>
+      </p:sp>
+      <p:sp>
+        <p:nvSpPr>
+          <p:cNvPr id="4" name="Text Placeholder 3"/>
           <p:cNvSpPr>
             <a:spLocks noGrp="1"/>
           </p:cNvSpPr>
@@ -2597,8 +2617,8 @@
         </p:nvSpPr>
         <p:spPr>
           <a:xfrm>
-            <a:off x="839788" y="2057400"/>
-            <a:ext cx="3932237" cy="3811588"/>
+            <a:off x="629841" y="2057400"/>
+            <a:ext cx="2949178" cy="3811588"/>
           </a:xfrm>
         </p:spPr>
         <p:txBody>
@@ -2644,7 +2664,7 @@
           <a:p>
             <a:pPr lvl="0"/>
             <a:r>
-              <a:rPr kumimoji="1" lang="ja-JP" altLang="en-US"/>
+              <a:rPr lang="ja-JP" altLang="en-US"/>
               <a:t>マスター テキストの書式設定</a:t>
             </a:r>
           </a:p>
@@ -2652,13 +2672,7 @@
       </p:sp>
       <p:sp>
         <p:nvSpPr>
-          <p:cNvPr id="5" name="日付プレースホルダー 4">
-            <a:extLst>
-              <a:ext uri="{FF2B5EF4-FFF2-40B4-BE49-F238E27FC236}">
-                <a16:creationId xmlns:a16="http://schemas.microsoft.com/office/drawing/2014/main" id="{F55975F8-AAD8-457E-AE44-78157E422504}"/>
-              </a:ext>
-            </a:extLst>
-          </p:cNvPr>
+          <p:cNvPr id="5" name="Date Placeholder 4"/>
           <p:cNvSpPr>
             <a:spLocks noGrp="1"/>
           </p:cNvSpPr>
@@ -2681,13 +2695,7 @@
       </p:sp>
       <p:sp>
         <p:nvSpPr>
-          <p:cNvPr id="6" name="フッター プレースホルダー 5">
-            <a:extLst>
-              <a:ext uri="{FF2B5EF4-FFF2-40B4-BE49-F238E27FC236}">
-                <a16:creationId xmlns:a16="http://schemas.microsoft.com/office/drawing/2014/main" id="{3DAA2899-549B-4A39-9474-3B9CC79E5CEA}"/>
-              </a:ext>
-            </a:extLst>
-          </p:cNvPr>
+          <p:cNvPr id="6" name="Footer Placeholder 5"/>
           <p:cNvSpPr>
             <a:spLocks noGrp="1"/>
           </p:cNvSpPr>
@@ -2706,13 +2714,7 @@
       </p:sp>
       <p:sp>
         <p:nvSpPr>
-          <p:cNvPr id="7" name="スライド番号プレースホルダー 6">
-            <a:extLst>
-              <a:ext uri="{FF2B5EF4-FFF2-40B4-BE49-F238E27FC236}">
-                <a16:creationId xmlns:a16="http://schemas.microsoft.com/office/drawing/2014/main" id="{10B7F970-607E-4580-AD9F-43B8A0D24FD2}"/>
-              </a:ext>
-            </a:extLst>
-          </p:cNvPr>
+          <p:cNvPr id="7" name="Slide Number Placeholder 6"/>
           <p:cNvSpPr>
             <a:spLocks noGrp="1"/>
           </p:cNvSpPr>
@@ -2736,7 +2738,7 @@
     </p:spTree>
     <p:extLst>
       <p:ext uri="{BB962C8B-B14F-4D97-AF65-F5344CB8AC3E}">
-        <p14:creationId xmlns:p14="http://schemas.microsoft.com/office/powerpoint/2010/main" val="2898728336"/>
+        <p14:creationId xmlns:p14="http://schemas.microsoft.com/office/powerpoint/2010/main" val="208126827"/>
       </p:ext>
     </p:extLst>
   </p:cSld>
@@ -2765,13 +2767,7 @@
       </p:grpSpPr>
       <p:sp>
         <p:nvSpPr>
-          <p:cNvPr id="2" name="タイトル 1">
-            <a:extLst>
-              <a:ext uri="{FF2B5EF4-FFF2-40B4-BE49-F238E27FC236}">
-                <a16:creationId xmlns:a16="http://schemas.microsoft.com/office/drawing/2014/main" id="{747D87FA-851C-45EE-85D4-7812E6683014}"/>
-              </a:ext>
-            </a:extLst>
-          </p:cNvPr>
+          <p:cNvPr id="2" name="Title 1"/>
           <p:cNvSpPr>
             <a:spLocks noGrp="1"/>
           </p:cNvSpPr>
@@ -2781,8 +2777,8 @@
         </p:nvSpPr>
         <p:spPr>
           <a:xfrm>
-            <a:off x="839788" y="457200"/>
-            <a:ext cx="3932237" cy="1600200"/>
+            <a:off x="629841" y="457200"/>
+            <a:ext cx="2949178" cy="1600200"/>
           </a:xfrm>
         </p:spPr>
         <p:txBody>
@@ -2794,23 +2790,18 @@
           </a:lstStyle>
           <a:p>
             <a:r>
-              <a:rPr kumimoji="1" lang="ja-JP" altLang="en-US"/>
+              <a:rPr lang="ja-JP" altLang="en-US"/>
               <a:t>マスター タイトルの書式設定</a:t>
             </a:r>
-          </a:p>
-        </p:txBody>
-      </p:sp>
-      <p:sp>
-        <p:nvSpPr>
-          <p:cNvPr id="3" name="図プレースホルダー 2">
-            <a:extLst>
-              <a:ext uri="{FF2B5EF4-FFF2-40B4-BE49-F238E27FC236}">
-                <a16:creationId xmlns:a16="http://schemas.microsoft.com/office/drawing/2014/main" id="{0382018C-4AFE-42B2-97E0-2F46054E450B}"/>
-              </a:ext>
-            </a:extLst>
-          </p:cNvPr>
-          <p:cNvSpPr>
-            <a:spLocks noGrp="1"/>
+            <a:endParaRPr lang="en-US" dirty="0"/>
+          </a:p>
+        </p:txBody>
+      </p:sp>
+      <p:sp>
+        <p:nvSpPr>
+          <p:cNvPr id="3" name="Picture Placeholder 2"/>
+          <p:cNvSpPr>
+            <a:spLocks noGrp="1" noChangeAspect="1"/>
           </p:cNvSpPr>
           <p:nvPr>
             <p:ph type="pic" idx="1"/>
@@ -2818,12 +2809,12 @@
         </p:nvSpPr>
         <p:spPr>
           <a:xfrm>
-            <a:off x="5183188" y="987425"/>
-            <a:ext cx="6172200" cy="4873625"/>
+            <a:off x="3887391" y="987426"/>
+            <a:ext cx="4629150" cy="4873625"/>
           </a:xfrm>
         </p:spPr>
         <p:txBody>
-          <a:bodyPr/>
+          <a:bodyPr anchor="t"/>
           <a:lstStyle>
             <a:lvl1pPr marL="0" indent="0">
               <a:buNone/>
@@ -2863,19 +2854,17 @@
             </a:lvl9pPr>
           </a:lstStyle>
           <a:p>
-            <a:endParaRPr kumimoji="1" lang="ja-JP" altLang="en-US"/>
-          </a:p>
-        </p:txBody>
-      </p:sp>
-      <p:sp>
-        <p:nvSpPr>
-          <p:cNvPr id="4" name="テキスト プレースホルダー 3">
-            <a:extLst>
-              <a:ext uri="{FF2B5EF4-FFF2-40B4-BE49-F238E27FC236}">
-                <a16:creationId xmlns:a16="http://schemas.microsoft.com/office/drawing/2014/main" id="{94B39FFA-0FC8-4FA3-BA1C-2E71D1FBEA3C}"/>
-              </a:ext>
-            </a:extLst>
-          </p:cNvPr>
+            <a:r>
+              <a:rPr lang="ja-JP" altLang="en-US"/>
+              <a:t>アイコンをクリックして図を追加</a:t>
+            </a:r>
+            <a:endParaRPr lang="en-US" dirty="0"/>
+          </a:p>
+        </p:txBody>
+      </p:sp>
+      <p:sp>
+        <p:nvSpPr>
+          <p:cNvPr id="4" name="Text Placeholder 3"/>
           <p:cNvSpPr>
             <a:spLocks noGrp="1"/>
           </p:cNvSpPr>
@@ -2885,8 +2874,8 @@
         </p:nvSpPr>
         <p:spPr>
           <a:xfrm>
-            <a:off x="839788" y="2057400"/>
-            <a:ext cx="3932237" cy="3811588"/>
+            <a:off x="629841" y="2057400"/>
+            <a:ext cx="2949178" cy="3811588"/>
           </a:xfrm>
         </p:spPr>
         <p:txBody>
@@ -2932,7 +2921,7 @@
           <a:p>
             <a:pPr lvl="0"/>
             <a:r>
-              <a:rPr kumimoji="1" lang="ja-JP" altLang="en-US"/>
+              <a:rPr lang="ja-JP" altLang="en-US"/>
               <a:t>マスター テキストの書式設定</a:t>
             </a:r>
           </a:p>
@@ -2940,13 +2929,7 @@
       </p:sp>
       <p:sp>
         <p:nvSpPr>
-          <p:cNvPr id="5" name="日付プレースホルダー 4">
-            <a:extLst>
-              <a:ext uri="{FF2B5EF4-FFF2-40B4-BE49-F238E27FC236}">
-                <a16:creationId xmlns:a16="http://schemas.microsoft.com/office/drawing/2014/main" id="{66E72943-320E-4488-8222-11DADDEEFFC4}"/>
-              </a:ext>
-            </a:extLst>
-          </p:cNvPr>
+          <p:cNvPr id="5" name="Date Placeholder 4"/>
           <p:cNvSpPr>
             <a:spLocks noGrp="1"/>
           </p:cNvSpPr>
@@ -2969,13 +2952,7 @@
       </p:sp>
       <p:sp>
         <p:nvSpPr>
-          <p:cNvPr id="6" name="フッター プレースホルダー 5">
-            <a:extLst>
-              <a:ext uri="{FF2B5EF4-FFF2-40B4-BE49-F238E27FC236}">
-                <a16:creationId xmlns:a16="http://schemas.microsoft.com/office/drawing/2014/main" id="{6E3612D8-E4DE-440A-8428-AD50C09F2BFF}"/>
-              </a:ext>
-            </a:extLst>
-          </p:cNvPr>
+          <p:cNvPr id="6" name="Footer Placeholder 5"/>
           <p:cNvSpPr>
             <a:spLocks noGrp="1"/>
           </p:cNvSpPr>
@@ -2994,13 +2971,7 @@
       </p:sp>
       <p:sp>
         <p:nvSpPr>
-          <p:cNvPr id="7" name="スライド番号プレースホルダー 6">
-            <a:extLst>
-              <a:ext uri="{FF2B5EF4-FFF2-40B4-BE49-F238E27FC236}">
-                <a16:creationId xmlns:a16="http://schemas.microsoft.com/office/drawing/2014/main" id="{A68D806E-517F-4D87-A53F-677EC183F363}"/>
-              </a:ext>
-            </a:extLst>
-          </p:cNvPr>
+          <p:cNvPr id="7" name="Slide Number Placeholder 6"/>
           <p:cNvSpPr>
             <a:spLocks noGrp="1"/>
           </p:cNvSpPr>
@@ -3024,7 +2995,7 @@
     </p:spTree>
     <p:extLst>
       <p:ext uri="{BB962C8B-B14F-4D97-AF65-F5344CB8AC3E}">
-        <p14:creationId xmlns:p14="http://schemas.microsoft.com/office/powerpoint/2010/main" val="3998417599"/>
+        <p14:creationId xmlns:p14="http://schemas.microsoft.com/office/powerpoint/2010/main" val="1403461914"/>
       </p:ext>
     </p:extLst>
   </p:cSld>
@@ -3058,13 +3029,7 @@
       </p:grpSpPr>
       <p:sp>
         <p:nvSpPr>
-          <p:cNvPr id="2" name="タイトル プレースホルダー 1">
-            <a:extLst>
-              <a:ext uri="{FF2B5EF4-FFF2-40B4-BE49-F238E27FC236}">
-                <a16:creationId xmlns:a16="http://schemas.microsoft.com/office/drawing/2014/main" id="{DD833934-4CD4-4FC0-B0E4-D571FAC78443}"/>
-              </a:ext>
-            </a:extLst>
-          </p:cNvPr>
+          <p:cNvPr id="2" name="Title Placeholder 1"/>
           <p:cNvSpPr>
             <a:spLocks noGrp="1"/>
           </p:cNvSpPr>
@@ -3074,8 +3039,8 @@
         </p:nvSpPr>
         <p:spPr>
           <a:xfrm>
-            <a:off x="838200" y="365125"/>
-            <a:ext cx="10515600" cy="1325563"/>
+            <a:off x="628650" y="365126"/>
+            <a:ext cx="7886700" cy="1325563"/>
           </a:xfrm>
           <a:prstGeom prst="rect">
             <a:avLst/>
@@ -3088,21 +3053,16 @@
           <a:lstStyle/>
           <a:p>
             <a:r>
-              <a:rPr kumimoji="1" lang="ja-JP" altLang="en-US"/>
+              <a:rPr lang="ja-JP" altLang="en-US"/>
               <a:t>マスター タイトルの書式設定</a:t>
             </a:r>
-          </a:p>
-        </p:txBody>
-      </p:sp>
-      <p:sp>
-        <p:nvSpPr>
-          <p:cNvPr id="3" name="テキスト プレースホルダー 2">
-            <a:extLst>
-              <a:ext uri="{FF2B5EF4-FFF2-40B4-BE49-F238E27FC236}">
-                <a16:creationId xmlns:a16="http://schemas.microsoft.com/office/drawing/2014/main" id="{059C7628-9887-4CFE-8BA2-F70DAE5B23EA}"/>
-              </a:ext>
-            </a:extLst>
-          </p:cNvPr>
+            <a:endParaRPr lang="en-US" dirty="0"/>
+          </a:p>
+        </p:txBody>
+      </p:sp>
+      <p:sp>
+        <p:nvSpPr>
+          <p:cNvPr id="3" name="Text Placeholder 2"/>
           <p:cNvSpPr>
             <a:spLocks noGrp="1"/>
           </p:cNvSpPr>
@@ -3112,8 +3072,8 @@
         </p:nvSpPr>
         <p:spPr>
           <a:xfrm>
-            <a:off x="838200" y="1825625"/>
-            <a:ext cx="10515600" cy="4351338"/>
+            <a:off x="628650" y="1825625"/>
+            <a:ext cx="7886700" cy="4351338"/>
           </a:xfrm>
           <a:prstGeom prst="rect">
             <a:avLst/>
@@ -3127,81 +3087,76 @@
           <a:p>
             <a:pPr lvl="0"/>
             <a:r>
-              <a:rPr kumimoji="1" lang="ja-JP" altLang="en-US"/>
+              <a:rPr lang="ja-JP" altLang="en-US"/>
               <a:t>マスター テキストの書式設定</a:t>
             </a:r>
           </a:p>
           <a:p>
             <a:pPr lvl="1"/>
             <a:r>
-              <a:rPr kumimoji="1" lang="ja-JP" altLang="en-US"/>
+              <a:rPr lang="ja-JP" altLang="en-US"/>
               <a:t>第 </a:t>
             </a:r>
             <a:r>
-              <a:rPr kumimoji="1" lang="en-US" altLang="ja-JP"/>
+              <a:rPr lang="en-US" altLang="ja-JP"/>
               <a:t>2 </a:t>
             </a:r>
             <a:r>
-              <a:rPr kumimoji="1" lang="ja-JP" altLang="en-US"/>
+              <a:rPr lang="ja-JP" altLang="en-US"/>
               <a:t>レベル</a:t>
             </a:r>
           </a:p>
           <a:p>
             <a:pPr lvl="2"/>
             <a:r>
-              <a:rPr kumimoji="1" lang="ja-JP" altLang="en-US"/>
+              <a:rPr lang="ja-JP" altLang="en-US"/>
               <a:t>第 </a:t>
             </a:r>
             <a:r>
-              <a:rPr kumimoji="1" lang="en-US" altLang="ja-JP"/>
+              <a:rPr lang="en-US" altLang="ja-JP"/>
               <a:t>3 </a:t>
             </a:r>
             <a:r>
-              <a:rPr kumimoji="1" lang="ja-JP" altLang="en-US"/>
+              <a:rPr lang="ja-JP" altLang="en-US"/>
               <a:t>レベル</a:t>
             </a:r>
           </a:p>
           <a:p>
             <a:pPr lvl="3"/>
             <a:r>
-              <a:rPr kumimoji="1" lang="ja-JP" altLang="en-US"/>
+              <a:rPr lang="ja-JP" altLang="en-US"/>
               <a:t>第 </a:t>
             </a:r>
             <a:r>
-              <a:rPr kumimoji="1" lang="en-US" altLang="ja-JP"/>
+              <a:rPr lang="en-US" altLang="ja-JP"/>
               <a:t>4 </a:t>
             </a:r>
             <a:r>
-              <a:rPr kumimoji="1" lang="ja-JP" altLang="en-US"/>
+              <a:rPr lang="ja-JP" altLang="en-US"/>
               <a:t>レベル</a:t>
             </a:r>
           </a:p>
           <a:p>
             <a:pPr lvl="4"/>
             <a:r>
-              <a:rPr kumimoji="1" lang="ja-JP" altLang="en-US"/>
+              <a:rPr lang="ja-JP" altLang="en-US"/>
               <a:t>第 </a:t>
             </a:r>
             <a:r>
-              <a:rPr kumimoji="1" lang="en-US" altLang="ja-JP"/>
+              <a:rPr lang="en-US" altLang="ja-JP"/>
               <a:t>5 </a:t>
             </a:r>
             <a:r>
-              <a:rPr kumimoji="1" lang="ja-JP" altLang="en-US"/>
+              <a:rPr lang="ja-JP" altLang="en-US"/>
               <a:t>レベル</a:t>
             </a:r>
-          </a:p>
-        </p:txBody>
-      </p:sp>
-      <p:sp>
-        <p:nvSpPr>
-          <p:cNvPr id="4" name="日付プレースホルダー 3">
-            <a:extLst>
-              <a:ext uri="{FF2B5EF4-FFF2-40B4-BE49-F238E27FC236}">
-                <a16:creationId xmlns:a16="http://schemas.microsoft.com/office/drawing/2014/main" id="{6369F0FB-90DA-4BE1-B792-D848A8B3ADA8}"/>
-              </a:ext>
-            </a:extLst>
-          </p:cNvPr>
+            <a:endParaRPr lang="en-US" dirty="0"/>
+          </a:p>
+        </p:txBody>
+      </p:sp>
+      <p:sp>
+        <p:nvSpPr>
+          <p:cNvPr id="4" name="Date Placeholder 3"/>
           <p:cNvSpPr>
             <a:spLocks noGrp="1"/>
           </p:cNvSpPr>
@@ -3211,8 +3166,8 @@
         </p:nvSpPr>
         <p:spPr>
           <a:xfrm>
-            <a:off x="838200" y="6356350"/>
-            <a:ext cx="2743200" cy="365125"/>
+            <a:off x="628650" y="6356351"/>
+            <a:ext cx="2057400" cy="365125"/>
           </a:xfrm>
           <a:prstGeom prst="rect">
             <a:avLst/>
@@ -3242,13 +3197,7 @@
       </p:sp>
       <p:sp>
         <p:nvSpPr>
-          <p:cNvPr id="5" name="フッター プレースホルダー 4">
-            <a:extLst>
-              <a:ext uri="{FF2B5EF4-FFF2-40B4-BE49-F238E27FC236}">
-                <a16:creationId xmlns:a16="http://schemas.microsoft.com/office/drawing/2014/main" id="{885D8AB5-A7DD-47CD-8895-F16C8C077098}"/>
-              </a:ext>
-            </a:extLst>
-          </p:cNvPr>
+          <p:cNvPr id="5" name="Footer Placeholder 4"/>
           <p:cNvSpPr>
             <a:spLocks noGrp="1"/>
           </p:cNvSpPr>
@@ -3258,8 +3207,8 @@
         </p:nvSpPr>
         <p:spPr>
           <a:xfrm>
-            <a:off x="4038600" y="6356350"/>
-            <a:ext cx="4114800" cy="365125"/>
+            <a:off x="3028950" y="6356351"/>
+            <a:ext cx="3086100" cy="365125"/>
           </a:xfrm>
           <a:prstGeom prst="rect">
             <a:avLst/>
@@ -3285,13 +3234,7 @@
       </p:sp>
       <p:sp>
         <p:nvSpPr>
-          <p:cNvPr id="6" name="スライド番号プレースホルダー 5">
-            <a:extLst>
-              <a:ext uri="{FF2B5EF4-FFF2-40B4-BE49-F238E27FC236}">
-                <a16:creationId xmlns:a16="http://schemas.microsoft.com/office/drawing/2014/main" id="{C64899EE-8DE9-4CA8-A393-EDDE7C7BE4B9}"/>
-              </a:ext>
-            </a:extLst>
-          </p:cNvPr>
+          <p:cNvPr id="6" name="Slide Number Placeholder 5"/>
           <p:cNvSpPr>
             <a:spLocks noGrp="1"/>
           </p:cNvSpPr>
@@ -3301,8 +3244,8 @@
         </p:nvSpPr>
         <p:spPr>
           <a:xfrm>
-            <a:off x="8610600" y="6356350"/>
-            <a:ext cx="2743200" cy="365125"/>
+            <a:off x="6457950" y="6356351"/>
+            <a:ext cx="2057400" cy="365125"/>
           </a:xfrm>
           <a:prstGeom prst="rect">
             <a:avLst/>
@@ -3333,23 +3276,23 @@
     </p:spTree>
     <p:extLst>
       <p:ext uri="{BB962C8B-B14F-4D97-AF65-F5344CB8AC3E}">
-        <p14:creationId xmlns:p14="http://schemas.microsoft.com/office/powerpoint/2010/main" val="3408161798"/>
+        <p14:creationId xmlns:p14="http://schemas.microsoft.com/office/powerpoint/2010/main" val="2940519129"/>
       </p:ext>
     </p:extLst>
   </p:cSld>
   <p:clrMap bg1="lt1" tx1="dk1" bg2="lt2" tx2="dk2" accent1="accent1" accent2="accent2" accent3="accent3" accent4="accent4" accent5="accent5" accent6="accent6" hlink="hlink" folHlink="folHlink"/>
   <p:sldLayoutIdLst>
-    <p:sldLayoutId id="2147483649" r:id="rId1"/>
-    <p:sldLayoutId id="2147483650" r:id="rId2"/>
-    <p:sldLayoutId id="2147483651" r:id="rId3"/>
-    <p:sldLayoutId id="2147483652" r:id="rId4"/>
-    <p:sldLayoutId id="2147483653" r:id="rId5"/>
-    <p:sldLayoutId id="2147483654" r:id="rId6"/>
-    <p:sldLayoutId id="2147483655" r:id="rId7"/>
-    <p:sldLayoutId id="2147483656" r:id="rId8"/>
-    <p:sldLayoutId id="2147483657" r:id="rId9"/>
-    <p:sldLayoutId id="2147483658" r:id="rId10"/>
-    <p:sldLayoutId id="2147483659" r:id="rId11"/>
+    <p:sldLayoutId id="2147483661" r:id="rId1"/>
+    <p:sldLayoutId id="2147483662" r:id="rId2"/>
+    <p:sldLayoutId id="2147483663" r:id="rId3"/>
+    <p:sldLayoutId id="2147483664" r:id="rId4"/>
+    <p:sldLayoutId id="2147483665" r:id="rId5"/>
+    <p:sldLayoutId id="2147483666" r:id="rId6"/>
+    <p:sldLayoutId id="2147483667" r:id="rId7"/>
+    <p:sldLayoutId id="2147483668" r:id="rId8"/>
+    <p:sldLayoutId id="2147483669" r:id="rId9"/>
+    <p:sldLayoutId id="2147483670" r:id="rId10"/>
+    <p:sldLayoutId id="2147483671" r:id="rId11"/>
   </p:sldLayoutIdLst>
   <p:txStyles>
     <p:titleStyle>
@@ -3537,7 +3480,7 @@
     </p:bodyStyle>
     <p:otherStyle>
       <a:defPPr>
-        <a:defRPr lang="ja-JP"/>
+        <a:defRPr lang="en-US"/>
       </a:defPPr>
       <a:lvl1pPr marL="0" algn="l" defTabSz="914400" rtl="0" eaLnBrk="1" latinLnBrk="0" hangingPunct="1">
         <a:defRPr kumimoji="1" sz="1800" kern="1200">
@@ -3669,7 +3612,7 @@
         </p:nvSpPr>
         <p:spPr>
           <a:xfrm>
-            <a:off x="1524000" y="1122363"/>
+            <a:off x="0" y="1122363"/>
             <a:ext cx="9144000" cy="2387600"/>
           </a:xfrm>
         </p:spPr>
@@ -3699,7 +3642,7 @@
         </p:nvSpPr>
         <p:spPr>
           <a:xfrm>
-            <a:off x="1524000" y="3602038"/>
+            <a:off x="0" y="3602038"/>
             <a:ext cx="9144000" cy="1655762"/>
           </a:xfrm>
         </p:spPr>
@@ -3739,7 +3682,7 @@
         </p:blipFill>
         <p:spPr>
           <a:xfrm>
-            <a:off x="1524000" y="0"/>
+            <a:off x="0" y="0"/>
             <a:ext cx="9144000" cy="6858000"/>
           </a:xfrm>
           <a:prstGeom prst="rect">
@@ -3761,7 +3704,7 @@
         </p:nvSpPr>
         <p:spPr>
           <a:xfrm>
-            <a:off x="1524000" y="0"/>
+            <a:off x="0" y="0"/>
             <a:ext cx="9144000" cy="6858000"/>
           </a:xfrm>
           <a:prstGeom prst="rect">
@@ -3797,7 +3740,7 @@
           <a:lstStyle/>
           <a:p>
             <a:pPr algn="ctr"/>
-            <a:endParaRPr kumimoji="1" lang="ja-JP" altLang="en-US" dirty="0"/>
+            <a:endParaRPr lang="ja-JP" altLang="en-US" dirty="0"/>
           </a:p>
         </p:txBody>
       </p:sp>
@@ -3817,7 +3760,7 @@
 <file path=ppt/theme/theme1.xml><?xml version="1.0" encoding="utf-8"?>
 <a:theme xmlns:a="http://schemas.openxmlformats.org/drawingml/2006/main" name="Office テーマ">
   <a:themeElements>
-    <a:clrScheme name="Office">
+    <a:clrScheme name="Office テーマ">
       <a:dk1>
         <a:sysClr val="windowText" lastClr="000000"/>
       </a:dk1>
@@ -3855,9 +3798,9 @@
         <a:srgbClr val="954F72"/>
       </a:folHlink>
     </a:clrScheme>
-    <a:fontScheme name="Office">
+    <a:fontScheme name="Office テーマ">
       <a:majorFont>
-        <a:latin typeface="游ゴシック Light" panose="020F0302020204030204"/>
+        <a:latin typeface="Calibri Light" panose="020F0302020204030204"/>
         <a:ea typeface=""/>
         <a:cs typeface=""/>
         <a:font script="Jpan" typeface="游ゴシック Light"/>
@@ -3890,26 +3833,9 @@
         <a:font script="Viet" typeface="Times New Roman"/>
         <a:font script="Uigh" typeface="Microsoft Uighur"/>
         <a:font script="Geor" typeface="Sylfaen"/>
-        <a:font script="Armn" typeface="Arial"/>
-        <a:font script="Bugi" typeface="Leelawadee UI"/>
-        <a:font script="Bopo" typeface="Microsoft JhengHei"/>
-        <a:font script="Java" typeface="Javanese Text"/>
-        <a:font script="Lisu" typeface="Segoe UI"/>
-        <a:font script="Mymr" typeface="Myanmar Text"/>
-        <a:font script="Nkoo" typeface="Ebrima"/>
-        <a:font script="Olck" typeface="Nirmala UI"/>
-        <a:font script="Osma" typeface="Ebrima"/>
-        <a:font script="Phag" typeface="Phagspa"/>
-        <a:font script="Syrn" typeface="Estrangelo Edessa"/>
-        <a:font script="Syrj" typeface="Estrangelo Edessa"/>
-        <a:font script="Syre" typeface="Estrangelo Edessa"/>
-        <a:font script="Sora" typeface="Nirmala UI"/>
-        <a:font script="Tale" typeface="Microsoft Tai Le"/>
-        <a:font script="Talu" typeface="Microsoft New Tai Lue"/>
-        <a:font script="Tfng" typeface="Ebrima"/>
       </a:majorFont>
       <a:minorFont>
-        <a:latin typeface="游ゴシック" panose="020F0502020204030204"/>
+        <a:latin typeface="Calibri" panose="020F0502020204030204"/>
         <a:ea typeface=""/>
         <a:cs typeface=""/>
         <a:font script="Jpan" typeface="游ゴシック"/>
@@ -3942,26 +3868,9 @@
         <a:font script="Viet" typeface="Arial"/>
         <a:font script="Uigh" typeface="Microsoft Uighur"/>
         <a:font script="Geor" typeface="Sylfaen"/>
-        <a:font script="Armn" typeface="Arial"/>
-        <a:font script="Bugi" typeface="Leelawadee UI"/>
-        <a:font script="Bopo" typeface="Microsoft JhengHei"/>
-        <a:font script="Java" typeface="Javanese Text"/>
-        <a:font script="Lisu" typeface="Segoe UI"/>
-        <a:font script="Mymr" typeface="Myanmar Text"/>
-        <a:font script="Nkoo" typeface="Ebrima"/>
-        <a:font script="Olck" typeface="Nirmala UI"/>
-        <a:font script="Osma" typeface="Ebrima"/>
-        <a:font script="Phag" typeface="Phagspa"/>
-        <a:font script="Syrn" typeface="Estrangelo Edessa"/>
-        <a:font script="Syrj" typeface="Estrangelo Edessa"/>
-        <a:font script="Syre" typeface="Estrangelo Edessa"/>
-        <a:font script="Sora" typeface="Nirmala UI"/>
-        <a:font script="Tale" typeface="Microsoft Tai Le"/>
-        <a:font script="Talu" typeface="Microsoft New Tai Lue"/>
-        <a:font script="Tfng" typeface="Ebrima"/>
       </a:minorFont>
     </a:fontScheme>
-    <a:fmtScheme name="Office">
+    <a:fmtScheme name="Office テーマ">
       <a:fillStyleLst>
         <a:solidFill>
           <a:schemeClr val="phClr"/>
